--- a/15093_Bonheure_Olivares_poster.pptx
+++ b/15093_Bonheure_Olivares_poster.pptx
@@ -13,14 +13,14 @@
   <p:sldIdLst>
     <p:sldId id="1444" r:id="rId2"/>
   </p:sldIdLst>
-  <p:sldSz cx="17373600" cy="11887200"/>
+  <p:sldSz cx="32918400" cy="21945600"/>
   <p:notesSz cx="9144000" cy="6858000"/>
   <p:defaultTextStyle>
     <a:defPPr>
       <a:defRPr lang="en-US"/>
     </a:defPPr>
-    <a:lvl1pPr marL="0" algn="l" defTabSz="1672035" rtl="0" eaLnBrk="1" latinLnBrk="0" hangingPunct="1">
-      <a:defRPr sz="3291" kern="1200">
+    <a:lvl1pPr marL="0" algn="l" defTabSz="3135066" rtl="0" eaLnBrk="1" latinLnBrk="0" hangingPunct="1">
+      <a:defRPr sz="6171" kern="1200">
         <a:solidFill>
           <a:schemeClr val="tx1"/>
         </a:solidFill>
@@ -29,8 +29,8 @@
         <a:cs typeface="+mn-cs"/>
       </a:defRPr>
     </a:lvl1pPr>
-    <a:lvl2pPr marL="836018" algn="l" defTabSz="1672035" rtl="0" eaLnBrk="1" latinLnBrk="0" hangingPunct="1">
-      <a:defRPr sz="3291" kern="1200">
+    <a:lvl2pPr marL="1567534" algn="l" defTabSz="3135066" rtl="0" eaLnBrk="1" latinLnBrk="0" hangingPunct="1">
+      <a:defRPr sz="6171" kern="1200">
         <a:solidFill>
           <a:schemeClr val="tx1"/>
         </a:solidFill>
@@ -39,8 +39,8 @@
         <a:cs typeface="+mn-cs"/>
       </a:defRPr>
     </a:lvl2pPr>
-    <a:lvl3pPr marL="1672035" algn="l" defTabSz="1672035" rtl="0" eaLnBrk="1" latinLnBrk="0" hangingPunct="1">
-      <a:defRPr sz="3291" kern="1200">
+    <a:lvl3pPr marL="3135066" algn="l" defTabSz="3135066" rtl="0" eaLnBrk="1" latinLnBrk="0" hangingPunct="1">
+      <a:defRPr sz="6171" kern="1200">
         <a:solidFill>
           <a:schemeClr val="tx1"/>
         </a:solidFill>
@@ -49,8 +49,8 @@
         <a:cs typeface="+mn-cs"/>
       </a:defRPr>
     </a:lvl3pPr>
-    <a:lvl4pPr marL="2508053" algn="l" defTabSz="1672035" rtl="0" eaLnBrk="1" latinLnBrk="0" hangingPunct="1">
-      <a:defRPr sz="3291" kern="1200">
+    <a:lvl4pPr marL="4702599" algn="l" defTabSz="3135066" rtl="0" eaLnBrk="1" latinLnBrk="0" hangingPunct="1">
+      <a:defRPr sz="6171" kern="1200">
         <a:solidFill>
           <a:schemeClr val="tx1"/>
         </a:solidFill>
@@ -59,8 +59,8 @@
         <a:cs typeface="+mn-cs"/>
       </a:defRPr>
     </a:lvl4pPr>
-    <a:lvl5pPr marL="3344071" algn="l" defTabSz="1672035" rtl="0" eaLnBrk="1" latinLnBrk="0" hangingPunct="1">
-      <a:defRPr sz="3291" kern="1200">
+    <a:lvl5pPr marL="6270133" algn="l" defTabSz="3135066" rtl="0" eaLnBrk="1" latinLnBrk="0" hangingPunct="1">
+      <a:defRPr sz="6171" kern="1200">
         <a:solidFill>
           <a:schemeClr val="tx1"/>
         </a:solidFill>
@@ -69,8 +69,8 @@
         <a:cs typeface="+mn-cs"/>
       </a:defRPr>
     </a:lvl5pPr>
-    <a:lvl6pPr marL="4180088" algn="l" defTabSz="1672035" rtl="0" eaLnBrk="1" latinLnBrk="0" hangingPunct="1">
-      <a:defRPr sz="3291" kern="1200">
+    <a:lvl6pPr marL="7837665" algn="l" defTabSz="3135066" rtl="0" eaLnBrk="1" latinLnBrk="0" hangingPunct="1">
+      <a:defRPr sz="6171" kern="1200">
         <a:solidFill>
           <a:schemeClr val="tx1"/>
         </a:solidFill>
@@ -79,8 +79,8 @@
         <a:cs typeface="+mn-cs"/>
       </a:defRPr>
     </a:lvl6pPr>
-    <a:lvl7pPr marL="5016106" algn="l" defTabSz="1672035" rtl="0" eaLnBrk="1" latinLnBrk="0" hangingPunct="1">
-      <a:defRPr sz="3291" kern="1200">
+    <a:lvl7pPr marL="9405199" algn="l" defTabSz="3135066" rtl="0" eaLnBrk="1" latinLnBrk="0" hangingPunct="1">
+      <a:defRPr sz="6171" kern="1200">
         <a:solidFill>
           <a:schemeClr val="tx1"/>
         </a:solidFill>
@@ -89,8 +89,8 @@
         <a:cs typeface="+mn-cs"/>
       </a:defRPr>
     </a:lvl7pPr>
-    <a:lvl8pPr marL="5852123" algn="l" defTabSz="1672035" rtl="0" eaLnBrk="1" latinLnBrk="0" hangingPunct="1">
-      <a:defRPr sz="3291" kern="1200">
+    <a:lvl8pPr marL="10972731" algn="l" defTabSz="3135066" rtl="0" eaLnBrk="1" latinLnBrk="0" hangingPunct="1">
+      <a:defRPr sz="6171" kern="1200">
         <a:solidFill>
           <a:schemeClr val="tx1"/>
         </a:solidFill>
@@ -99,8 +99,8 @@
         <a:cs typeface="+mn-cs"/>
       </a:defRPr>
     </a:lvl8pPr>
-    <a:lvl9pPr marL="6688141" algn="l" defTabSz="1672035" rtl="0" eaLnBrk="1" latinLnBrk="0" hangingPunct="1">
-      <a:defRPr sz="3291" kern="1200">
+    <a:lvl9pPr marL="12540264" algn="l" defTabSz="3135066" rtl="0" eaLnBrk="1" latinLnBrk="0" hangingPunct="1">
+      <a:defRPr sz="6171" kern="1200">
         <a:solidFill>
           <a:schemeClr val="tx1"/>
         </a:solidFill>
@@ -113,12 +113,12 @@
   <p:extLst>
     <p:ext uri="{EFAFB233-063F-42B5-8137-9DF3F51BA10A}">
       <p15:sldGuideLst xmlns:p15="http://schemas.microsoft.com/office/powerpoint/2012/main">
-        <p15:guide id="1" orient="horz" pos="3744" userDrawn="1">
+        <p15:guide id="1" orient="horz" pos="6912" userDrawn="1">
           <p15:clr>
             <a:srgbClr val="A4A3A4"/>
           </p15:clr>
         </p15:guide>
-        <p15:guide id="2" pos="5472" userDrawn="1">
+        <p15:guide id="2" pos="10368" userDrawn="1">
           <p15:clr>
             <a:srgbClr val="A4A3A4"/>
           </p15:clr>
@@ -127,6 +127,211 @@
     </p:ext>
   </p:extLst>
 </p:presentation>
+</file>
+
+<file path=ppt/revisionInfo.xml><?xml version="1.0" encoding="utf-8"?>
+<p1510:revInfo xmlns:a="http://schemas.openxmlformats.org/drawingml/2006/main" xmlns:r="http://schemas.openxmlformats.org/officeDocument/2006/relationships" xmlns:p1510="http://schemas.microsoft.com/office/powerpoint/2015/10/main">
+  <p1510:revLst>
+    <p1510:client id="{1CCA4AEF-DF89-462D-BFF3-6C8FFC3F5474}" v="1" dt="2022-12-06T19:25:21.290"/>
+  </p1510:revLst>
+</p1510:revInfo>
+</file>
+
+<file path=ppt/changesInfos/changesInfo1.xml><?xml version="1.0" encoding="utf-8"?>
+<pc:chgInfo xmlns:a="http://schemas.openxmlformats.org/drawingml/2006/main" xmlns:r="http://schemas.openxmlformats.org/officeDocument/2006/relationships" xmlns:ac="http://schemas.microsoft.com/office/drawing/2013/main/command" xmlns:pc="http://schemas.microsoft.com/office/powerpoint/2013/main/command">
+  <pc:docChgLst>
+    <pc:chgData name="Guillaume Bonheure" userId="e6ea2d814523e289" providerId="LiveId" clId="{1CCA4AEF-DF89-462D-BFF3-6C8FFC3F5474}"/>
+    <pc:docChg chg="undo redo custSel modSld">
+      <pc:chgData name="Guillaume Bonheure" userId="e6ea2d814523e289" providerId="LiveId" clId="{1CCA4AEF-DF89-462D-BFF3-6C8FFC3F5474}" dt="2022-12-06T19:30:13.623" v="42" actId="1076"/>
+      <pc:docMkLst>
+        <pc:docMk/>
+      </pc:docMkLst>
+      <pc:sldChg chg="modSp mod">
+        <pc:chgData name="Guillaume Bonheure" userId="e6ea2d814523e289" providerId="LiveId" clId="{1CCA4AEF-DF89-462D-BFF3-6C8FFC3F5474}" dt="2022-12-06T19:30:13.623" v="42" actId="1076"/>
+        <pc:sldMkLst>
+          <pc:docMk/>
+          <pc:sldMk cId="2877816621" sldId="1444"/>
+        </pc:sldMkLst>
+        <pc:spChg chg="mod">
+          <ac:chgData name="Guillaume Bonheure" userId="e6ea2d814523e289" providerId="LiveId" clId="{1CCA4AEF-DF89-462D-BFF3-6C8FFC3F5474}" dt="2022-12-06T19:26:50.768" v="7" actId="14100"/>
+          <ac:spMkLst>
+            <pc:docMk/>
+            <pc:sldMk cId="2877816621" sldId="1444"/>
+            <ac:spMk id="7" creationId="{555051C7-B597-C6ED-E8B5-A381273377C6}"/>
+          </ac:spMkLst>
+        </pc:spChg>
+        <pc:spChg chg="mod">
+          <ac:chgData name="Guillaume Bonheure" userId="e6ea2d814523e289" providerId="LiveId" clId="{1CCA4AEF-DF89-462D-BFF3-6C8FFC3F5474}" dt="2022-12-06T19:29:32.416" v="38" actId="1076"/>
+          <ac:spMkLst>
+            <pc:docMk/>
+            <pc:sldMk cId="2877816621" sldId="1444"/>
+            <ac:spMk id="9" creationId="{C1E097B1-454C-C995-51C2-98FFE15F95CD}"/>
+          </ac:spMkLst>
+        </pc:spChg>
+        <pc:spChg chg="mod">
+          <ac:chgData name="Guillaume Bonheure" userId="e6ea2d814523e289" providerId="LiveId" clId="{1CCA4AEF-DF89-462D-BFF3-6C8FFC3F5474}" dt="2022-12-06T19:29:32.416" v="38" actId="1076"/>
+          <ac:spMkLst>
+            <pc:docMk/>
+            <pc:sldMk cId="2877816621" sldId="1444"/>
+            <ac:spMk id="10" creationId="{B8578399-790F-0369-323E-D89EC71F0B93}"/>
+          </ac:spMkLst>
+        </pc:spChg>
+        <pc:spChg chg="mod">
+          <ac:chgData name="Guillaume Bonheure" userId="e6ea2d814523e289" providerId="LiveId" clId="{1CCA4AEF-DF89-462D-BFF3-6C8FFC3F5474}" dt="2022-12-06T19:26:59.830" v="8" actId="1076"/>
+          <ac:spMkLst>
+            <pc:docMk/>
+            <pc:sldMk cId="2877816621" sldId="1444"/>
+            <ac:spMk id="11" creationId="{5057525E-291A-449E-C130-4D2D1CF31C3B}"/>
+          </ac:spMkLst>
+        </pc:spChg>
+        <pc:spChg chg="mod">
+          <ac:chgData name="Guillaume Bonheure" userId="e6ea2d814523e289" providerId="LiveId" clId="{1CCA4AEF-DF89-462D-BFF3-6C8FFC3F5474}" dt="2022-12-06T19:26:50.768" v="7" actId="14100"/>
+          <ac:spMkLst>
+            <pc:docMk/>
+            <pc:sldMk cId="2877816621" sldId="1444"/>
+            <ac:spMk id="12" creationId="{EDF89849-BA68-FF2F-72C9-978DA596EE63}"/>
+          </ac:spMkLst>
+        </pc:spChg>
+        <pc:spChg chg="mod">
+          <ac:chgData name="Guillaume Bonheure" userId="e6ea2d814523e289" providerId="LiveId" clId="{1CCA4AEF-DF89-462D-BFF3-6C8FFC3F5474}" dt="2022-12-06T19:26:26.937" v="6" actId="1076"/>
+          <ac:spMkLst>
+            <pc:docMk/>
+            <pc:sldMk cId="2877816621" sldId="1444"/>
+            <ac:spMk id="13" creationId="{6DD1730B-98F7-CC9F-291F-B75DC6817DA6}"/>
+          </ac:spMkLst>
+        </pc:spChg>
+        <pc:spChg chg="mod">
+          <ac:chgData name="Guillaume Bonheure" userId="e6ea2d814523e289" providerId="LiveId" clId="{1CCA4AEF-DF89-462D-BFF3-6C8FFC3F5474}" dt="2022-12-06T19:26:59.830" v="8" actId="1076"/>
+          <ac:spMkLst>
+            <pc:docMk/>
+            <pc:sldMk cId="2877816621" sldId="1444"/>
+            <ac:spMk id="14" creationId="{17D244B9-3BE6-F2F0-8C4D-F9A326E3EFF6}"/>
+          </ac:spMkLst>
+        </pc:spChg>
+        <pc:spChg chg="mod">
+          <ac:chgData name="Guillaume Bonheure" userId="e6ea2d814523e289" providerId="LiveId" clId="{1CCA4AEF-DF89-462D-BFF3-6C8FFC3F5474}" dt="2022-12-06T19:26:50.768" v="7" actId="14100"/>
+          <ac:spMkLst>
+            <pc:docMk/>
+            <pc:sldMk cId="2877816621" sldId="1444"/>
+            <ac:spMk id="15" creationId="{F7405747-BF54-3F85-7346-DF87FA8FD0F5}"/>
+          </ac:spMkLst>
+        </pc:spChg>
+        <pc:spChg chg="mod">
+          <ac:chgData name="Guillaume Bonheure" userId="e6ea2d814523e289" providerId="LiveId" clId="{1CCA4AEF-DF89-462D-BFF3-6C8FFC3F5474}" dt="2022-12-06T19:29:32.416" v="38" actId="1076"/>
+          <ac:spMkLst>
+            <pc:docMk/>
+            <pc:sldMk cId="2877816621" sldId="1444"/>
+            <ac:spMk id="16" creationId="{0C18CE53-CFA5-0D58-88F4-2FF57CE00655}"/>
+          </ac:spMkLst>
+        </pc:spChg>
+        <pc:spChg chg="mod">
+          <ac:chgData name="Guillaume Bonheure" userId="e6ea2d814523e289" providerId="LiveId" clId="{1CCA4AEF-DF89-462D-BFF3-6C8FFC3F5474}" dt="2022-12-06T19:29:32.416" v="38" actId="1076"/>
+          <ac:spMkLst>
+            <pc:docMk/>
+            <pc:sldMk cId="2877816621" sldId="1444"/>
+            <ac:spMk id="17" creationId="{2A28BEBA-D33D-0EE9-A256-5B250B1E18C9}"/>
+          </ac:spMkLst>
+        </pc:spChg>
+        <pc:spChg chg="mod">
+          <ac:chgData name="Guillaume Bonheure" userId="e6ea2d814523e289" providerId="LiveId" clId="{1CCA4AEF-DF89-462D-BFF3-6C8FFC3F5474}" dt="2022-12-06T19:26:59.830" v="8" actId="1076"/>
+          <ac:spMkLst>
+            <pc:docMk/>
+            <pc:sldMk cId="2877816621" sldId="1444"/>
+            <ac:spMk id="20" creationId="{CA699090-F91B-906E-6F12-B804DF3E8A5D}"/>
+          </ac:spMkLst>
+        </pc:spChg>
+        <pc:spChg chg="mod">
+          <ac:chgData name="Guillaume Bonheure" userId="e6ea2d814523e289" providerId="LiveId" clId="{1CCA4AEF-DF89-462D-BFF3-6C8FFC3F5474}" dt="2022-12-06T19:26:50.768" v="7" actId="14100"/>
+          <ac:spMkLst>
+            <pc:docMk/>
+            <pc:sldMk cId="2877816621" sldId="1444"/>
+            <ac:spMk id="25" creationId="{11548CC9-14DF-026D-6134-2FAD1C21C93A}"/>
+          </ac:spMkLst>
+        </pc:spChg>
+        <pc:spChg chg="mod">
+          <ac:chgData name="Guillaume Bonheure" userId="e6ea2d814523e289" providerId="LiveId" clId="{1CCA4AEF-DF89-462D-BFF3-6C8FFC3F5474}" dt="2022-12-06T19:25:38.277" v="1" actId="14100"/>
+          <ac:spMkLst>
+            <pc:docMk/>
+            <pc:sldMk cId="2877816621" sldId="1444"/>
+            <ac:spMk id="26" creationId="{71147632-37C3-6B4E-8B86-3138668B1281}"/>
+          </ac:spMkLst>
+        </pc:spChg>
+        <pc:spChg chg="mod">
+          <ac:chgData name="Guillaume Bonheure" userId="e6ea2d814523e289" providerId="LiveId" clId="{1CCA4AEF-DF89-462D-BFF3-6C8FFC3F5474}" dt="2022-12-06T19:26:59.830" v="8" actId="1076"/>
+          <ac:spMkLst>
+            <pc:docMk/>
+            <pc:sldMk cId="2877816621" sldId="1444"/>
+            <ac:spMk id="29" creationId="{6283351A-E8C7-EB0C-2739-841C750FAD18}"/>
+          </ac:spMkLst>
+        </pc:spChg>
+        <pc:spChg chg="mod">
+          <ac:chgData name="Guillaume Bonheure" userId="e6ea2d814523e289" providerId="LiveId" clId="{1CCA4AEF-DF89-462D-BFF3-6C8FFC3F5474}" dt="2022-12-06T19:29:12.028" v="32" actId="1076"/>
+          <ac:spMkLst>
+            <pc:docMk/>
+            <pc:sldMk cId="2877816621" sldId="1444"/>
+            <ac:spMk id="30" creationId="{5B9BBFA2-DF0B-83BA-4FAE-4860B39F8E13}"/>
+          </ac:spMkLst>
+        </pc:spChg>
+        <pc:spChg chg="mod">
+          <ac:chgData name="Guillaume Bonheure" userId="e6ea2d814523e289" providerId="LiveId" clId="{1CCA4AEF-DF89-462D-BFF3-6C8FFC3F5474}" dt="2022-12-06T19:29:12.028" v="32" actId="1076"/>
+          <ac:spMkLst>
+            <pc:docMk/>
+            <pc:sldMk cId="2877816621" sldId="1444"/>
+            <ac:spMk id="31" creationId="{41CD0FDA-7374-F1EB-3199-E913C1758964}"/>
+          </ac:spMkLst>
+        </pc:spChg>
+        <pc:spChg chg="mod">
+          <ac:chgData name="Guillaume Bonheure" userId="e6ea2d814523e289" providerId="LiveId" clId="{1CCA4AEF-DF89-462D-BFF3-6C8FFC3F5474}" dt="2022-12-06T19:25:53.686" v="2" actId="14100"/>
+          <ac:spMkLst>
+            <pc:docMk/>
+            <pc:sldMk cId="2877816621" sldId="1444"/>
+            <ac:spMk id="33" creationId="{ACCBE6D3-A62D-3D4A-A24B-5A57F3DBB775}"/>
+          </ac:spMkLst>
+        </pc:spChg>
+        <pc:spChg chg="mod">
+          <ac:chgData name="Guillaume Bonheure" userId="e6ea2d814523e289" providerId="LiveId" clId="{1CCA4AEF-DF89-462D-BFF3-6C8FFC3F5474}" dt="2022-12-06T19:25:56.925" v="3" actId="14100"/>
+          <ac:spMkLst>
+            <pc:docMk/>
+            <pc:sldMk cId="2877816621" sldId="1444"/>
+            <ac:spMk id="34" creationId="{4EAF66C9-203E-8E4B-86AC-C98EDBE36137}"/>
+          </ac:spMkLst>
+        </pc:spChg>
+        <pc:picChg chg="mod">
+          <ac:chgData name="Guillaume Bonheure" userId="e6ea2d814523e289" providerId="LiveId" clId="{1CCA4AEF-DF89-462D-BFF3-6C8FFC3F5474}" dt="2022-12-06T19:30:13.623" v="42" actId="1076"/>
+          <ac:picMkLst>
+            <pc:docMk/>
+            <pc:sldMk cId="2877816621" sldId="1444"/>
+            <ac:picMk id="53" creationId="{86E4198C-A02A-FC9D-502A-E4C78CB65B03}"/>
+          </ac:picMkLst>
+        </pc:picChg>
+        <pc:picChg chg="mod">
+          <ac:chgData name="Guillaume Bonheure" userId="e6ea2d814523e289" providerId="LiveId" clId="{1CCA4AEF-DF89-462D-BFF3-6C8FFC3F5474}" dt="2022-12-06T19:30:06.702" v="41" actId="1076"/>
+          <ac:picMkLst>
+            <pc:docMk/>
+            <pc:sldMk cId="2877816621" sldId="1444"/>
+            <ac:picMk id="55" creationId="{43B5C513-BA74-77D3-1743-2C196064E26F}"/>
+          </ac:picMkLst>
+        </pc:picChg>
+        <pc:picChg chg="mod">
+          <ac:chgData name="Guillaume Bonheure" userId="e6ea2d814523e289" providerId="LiveId" clId="{1CCA4AEF-DF89-462D-BFF3-6C8FFC3F5474}" dt="2022-12-06T19:29:48.430" v="39" actId="1076"/>
+          <ac:picMkLst>
+            <pc:docMk/>
+            <pc:sldMk cId="2877816621" sldId="1444"/>
+            <ac:picMk id="59" creationId="{A48FFA49-1B52-C824-0E4C-F6082953453F}"/>
+          </ac:picMkLst>
+        </pc:picChg>
+        <pc:picChg chg="mod">
+          <ac:chgData name="Guillaume Bonheure" userId="e6ea2d814523e289" providerId="LiveId" clId="{1CCA4AEF-DF89-462D-BFF3-6C8FFC3F5474}" dt="2022-12-06T19:29:58.182" v="40" actId="1076"/>
+          <ac:picMkLst>
+            <pc:docMk/>
+            <pc:sldMk cId="2877816621" sldId="1444"/>
+            <ac:picMk id="61" creationId="{B61CE2B1-F30F-1161-8919-D79134D62BB9}"/>
+          </ac:picMkLst>
+        </pc:picChg>
+      </pc:sldChg>
+    </pc:docChg>
+  </pc:docChgLst>
+</pc:chgInfo>
 </file>
 
 <file path=ppt/handoutMasters/handoutMaster1.xml><?xml version="1.0" encoding="utf-8"?>
@@ -398,8 +603,8 @@
         </p:nvSpPr>
         <p:spPr>
           <a:xfrm>
-            <a:off x="2693988" y="514350"/>
-            <a:ext cx="3756025" cy="2571750"/>
+            <a:off x="2643188" y="514350"/>
+            <a:ext cx="3857625" cy="2571750"/>
           </a:xfrm>
           <a:prstGeom prst="rect">
             <a:avLst/>
@@ -557,8 +762,8 @@
   <p:clrMap bg1="lt1" tx1="dk1" bg2="lt2" tx2="dk2" accent1="accent1" accent2="accent2" accent3="accent3" accent4="accent4" accent5="accent5" accent6="accent6" hlink="hlink" folHlink="folHlink"/>
   <p:hf hdr="0"/>
   <p:notesStyle>
-    <a:lvl1pPr marL="0" algn="l" defTabSz="1672035" rtl="0" eaLnBrk="1" latinLnBrk="0" hangingPunct="1">
-      <a:defRPr sz="2194" kern="1200">
+    <a:lvl1pPr marL="0" algn="l" defTabSz="3135066" rtl="0" eaLnBrk="1" latinLnBrk="0" hangingPunct="1">
+      <a:defRPr sz="4114" kern="1200">
         <a:solidFill>
           <a:schemeClr val="tx1"/>
         </a:solidFill>
@@ -567,8 +772,8 @@
         <a:cs typeface="+mn-cs"/>
       </a:defRPr>
     </a:lvl1pPr>
-    <a:lvl2pPr marL="836018" algn="l" defTabSz="1672035" rtl="0" eaLnBrk="1" latinLnBrk="0" hangingPunct="1">
-      <a:defRPr sz="2194" kern="1200">
+    <a:lvl2pPr marL="1567534" algn="l" defTabSz="3135066" rtl="0" eaLnBrk="1" latinLnBrk="0" hangingPunct="1">
+      <a:defRPr sz="4114" kern="1200">
         <a:solidFill>
           <a:schemeClr val="tx1"/>
         </a:solidFill>
@@ -577,8 +782,8 @@
         <a:cs typeface="+mn-cs"/>
       </a:defRPr>
     </a:lvl2pPr>
-    <a:lvl3pPr marL="1672035" algn="l" defTabSz="1672035" rtl="0" eaLnBrk="1" latinLnBrk="0" hangingPunct="1">
-      <a:defRPr sz="2194" kern="1200">
+    <a:lvl3pPr marL="3135066" algn="l" defTabSz="3135066" rtl="0" eaLnBrk="1" latinLnBrk="0" hangingPunct="1">
+      <a:defRPr sz="4114" kern="1200">
         <a:solidFill>
           <a:schemeClr val="tx1"/>
         </a:solidFill>
@@ -587,8 +792,8 @@
         <a:cs typeface="+mn-cs"/>
       </a:defRPr>
     </a:lvl3pPr>
-    <a:lvl4pPr marL="2508053" algn="l" defTabSz="1672035" rtl="0" eaLnBrk="1" latinLnBrk="0" hangingPunct="1">
-      <a:defRPr sz="2194" kern="1200">
+    <a:lvl4pPr marL="4702599" algn="l" defTabSz="3135066" rtl="0" eaLnBrk="1" latinLnBrk="0" hangingPunct="1">
+      <a:defRPr sz="4114" kern="1200">
         <a:solidFill>
           <a:schemeClr val="tx1"/>
         </a:solidFill>
@@ -597,8 +802,8 @@
         <a:cs typeface="+mn-cs"/>
       </a:defRPr>
     </a:lvl4pPr>
-    <a:lvl5pPr marL="3344071" algn="l" defTabSz="1672035" rtl="0" eaLnBrk="1" latinLnBrk="0" hangingPunct="1">
-      <a:defRPr sz="2194" kern="1200">
+    <a:lvl5pPr marL="6270133" algn="l" defTabSz="3135066" rtl="0" eaLnBrk="1" latinLnBrk="0" hangingPunct="1">
+      <a:defRPr sz="4114" kern="1200">
         <a:solidFill>
           <a:schemeClr val="tx1"/>
         </a:solidFill>
@@ -607,8 +812,8 @@
         <a:cs typeface="+mn-cs"/>
       </a:defRPr>
     </a:lvl5pPr>
-    <a:lvl6pPr marL="4180088" algn="l" defTabSz="1672035" rtl="0" eaLnBrk="1" latinLnBrk="0" hangingPunct="1">
-      <a:defRPr sz="2194" kern="1200">
+    <a:lvl6pPr marL="7837665" algn="l" defTabSz="3135066" rtl="0" eaLnBrk="1" latinLnBrk="0" hangingPunct="1">
+      <a:defRPr sz="4114" kern="1200">
         <a:solidFill>
           <a:schemeClr val="tx1"/>
         </a:solidFill>
@@ -617,8 +822,8 @@
         <a:cs typeface="+mn-cs"/>
       </a:defRPr>
     </a:lvl6pPr>
-    <a:lvl7pPr marL="5016106" algn="l" defTabSz="1672035" rtl="0" eaLnBrk="1" latinLnBrk="0" hangingPunct="1">
-      <a:defRPr sz="2194" kern="1200">
+    <a:lvl7pPr marL="9405199" algn="l" defTabSz="3135066" rtl="0" eaLnBrk="1" latinLnBrk="0" hangingPunct="1">
+      <a:defRPr sz="4114" kern="1200">
         <a:solidFill>
           <a:schemeClr val="tx1"/>
         </a:solidFill>
@@ -627,8 +832,8 @@
         <a:cs typeface="+mn-cs"/>
       </a:defRPr>
     </a:lvl7pPr>
-    <a:lvl8pPr marL="5852123" algn="l" defTabSz="1672035" rtl="0" eaLnBrk="1" latinLnBrk="0" hangingPunct="1">
-      <a:defRPr sz="2194" kern="1200">
+    <a:lvl8pPr marL="10972731" algn="l" defTabSz="3135066" rtl="0" eaLnBrk="1" latinLnBrk="0" hangingPunct="1">
+      <a:defRPr sz="4114" kern="1200">
         <a:solidFill>
           <a:schemeClr val="tx1"/>
         </a:solidFill>
@@ -637,8 +842,8 @@
         <a:cs typeface="+mn-cs"/>
       </a:defRPr>
     </a:lvl8pPr>
-    <a:lvl9pPr marL="6688141" algn="l" defTabSz="1672035" rtl="0" eaLnBrk="1" latinLnBrk="0" hangingPunct="1">
-      <a:defRPr sz="2194" kern="1200">
+    <a:lvl9pPr marL="12540264" algn="l" defTabSz="3135066" rtl="0" eaLnBrk="1" latinLnBrk="0" hangingPunct="1">
+      <a:defRPr sz="4114" kern="1200">
         <a:solidFill>
           <a:schemeClr val="tx1"/>
         </a:solidFill>
@@ -681,8 +886,8 @@
         </p:nvSpPr>
         <p:spPr bwMode="white">
           <a:xfrm>
-            <a:off x="0" y="10349788"/>
-            <a:ext cx="17373600" cy="1537412"/>
+            <a:off x="0" y="19107301"/>
+            <a:ext cx="32918400" cy="2838299"/>
           </a:xfrm>
           <a:prstGeom prst="rect">
             <a:avLst/>
@@ -715,7 +920,7 @@
           <a:lstStyle/>
           <a:p>
             <a:pPr algn="ctr" eaLnBrk="1" latinLnBrk="0" hangingPunct="1"/>
-            <a:endParaRPr kumimoji="0" lang="en-US" sz="7488" dirty="0"/>
+            <a:endParaRPr kumimoji="0" lang="en-US" sz="13824" dirty="0"/>
           </a:p>
         </p:txBody>
       </p:sp>
@@ -731,8 +936,8 @@
         </p:nvSpPr>
         <p:spPr>
           <a:xfrm>
-            <a:off x="4482389" y="5819291"/>
-            <a:ext cx="12306300" cy="3169920"/>
+            <a:off x="8492948" y="10743306"/>
+            <a:ext cx="23317200" cy="5852160"/>
           </a:xfrm>
         </p:spPr>
         <p:txBody>
@@ -741,7 +946,7 @@
           </a:bodyPr>
           <a:lstStyle>
             <a:lvl1pPr>
-              <a:defRPr sz="7626" cap="none" baseline="0">
+              <a:defRPr sz="14079" cap="none" baseline="0">
                 <a:solidFill>
                   <a:schemeClr val="tx1">
                     <a:lumMod val="95000"/>
@@ -771,8 +976,8 @@
         </p:nvSpPr>
         <p:spPr>
           <a:xfrm>
-            <a:off x="4482389" y="8989211"/>
-            <a:ext cx="12312091" cy="1099390"/>
+            <a:off x="8492949" y="16595467"/>
+            <a:ext cx="23328172" cy="2029643"/>
           </a:xfrm>
         </p:spPr>
         <p:txBody>
@@ -804,19 +1009,19 @@
         </p:nvSpPr>
         <p:spPr>
           <a:xfrm>
-            <a:off x="4542715" y="10531619"/>
-            <a:ext cx="10647363" cy="1155700"/>
+            <a:off x="8607250" y="19442989"/>
+            <a:ext cx="20173951" cy="2133600"/>
           </a:xfrm>
         </p:spPr>
         <p:txBody>
           <a:bodyPr/>
           <a:lstStyle>
-            <a:lvl1pPr marL="0" marR="0" indent="0" algn="l" defTabSz="1584872" rtl="0" eaLnBrk="1" fontAlgn="auto" latinLnBrk="0" hangingPunct="1">
+            <a:lvl1pPr marL="0" marR="0" indent="0" algn="l" defTabSz="2925991" rtl="0" eaLnBrk="1" fontAlgn="auto" latinLnBrk="0" hangingPunct="1">
               <a:lnSpc>
                 <a:spcPct val="100000"/>
               </a:lnSpc>
               <a:spcBef>
-                <a:spcPts val="1213"/>
+                <a:spcPts val="2239"/>
               </a:spcBef>
               <a:spcAft>
                 <a:spcPts val="0"/>
@@ -839,12 +1044,12 @@
             </a:lvl1pPr>
           </a:lstStyle>
           <a:p>
-            <a:pPr marL="0" marR="0" lvl="0" indent="0" algn="l" defTabSz="1584872" rtl="0" eaLnBrk="1" fontAlgn="auto" latinLnBrk="0" hangingPunct="1">
+            <a:pPr marL="0" marR="0" lvl="0" indent="0" algn="l" defTabSz="2925991" rtl="0" eaLnBrk="1" fontAlgn="auto" latinLnBrk="0" hangingPunct="1">
               <a:lnSpc>
                 <a:spcPct val="100000"/>
               </a:lnSpc>
               <a:spcBef>
-                <a:spcPts val="1213"/>
+                <a:spcPts val="2239"/>
               </a:spcBef>
               <a:spcAft>
                 <a:spcPts val="0"/>
@@ -909,8 +1114,8 @@
         </p:nvSpPr>
         <p:spPr>
           <a:xfrm>
-            <a:off x="1164031" y="396240"/>
-            <a:ext cx="15491460" cy="1717040"/>
+            <a:off x="2205532" y="731520"/>
+            <a:ext cx="29352240" cy="3169920"/>
           </a:xfrm>
         </p:spPr>
         <p:txBody>
@@ -919,7 +1124,7 @@
           </a:bodyPr>
           <a:lstStyle>
             <a:lvl1pPr>
-              <a:defRPr sz="7626"/>
+              <a:defRPr sz="14079"/>
             </a:lvl1pPr>
           </a:lstStyle>
           <a:p>
@@ -942,8 +1147,8 @@
         </p:nvSpPr>
         <p:spPr>
           <a:xfrm>
-            <a:off x="1158240" y="10830225"/>
-            <a:ext cx="14333220" cy="632883"/>
+            <a:off x="2194560" y="19994263"/>
+            <a:ext cx="27157680" cy="1168399"/>
           </a:xfrm>
           <a:prstGeom prst="rect">
             <a:avLst/>
@@ -981,8 +1186,8 @@
         </p:nvSpPr>
         <p:spPr>
           <a:xfrm>
-            <a:off x="15642031" y="10848675"/>
-            <a:ext cx="1013460" cy="614769"/>
+            <a:off x="29637532" y="20028324"/>
+            <a:ext cx="1920240" cy="1134958"/>
           </a:xfrm>
           <a:prstGeom prst="rect">
             <a:avLst/>
@@ -1023,8 +1228,8 @@
         </p:nvSpPr>
         <p:spPr>
           <a:xfrm>
-            <a:off x="1164031" y="2773680"/>
-            <a:ext cx="15491460" cy="7792720"/>
+            <a:off x="2205532" y="5120640"/>
+            <a:ext cx="29352240" cy="14386560"/>
           </a:xfrm>
         </p:spPr>
         <p:txBody>
@@ -1095,8 +1300,8 @@
         </p:nvSpPr>
         <p:spPr>
           <a:xfrm>
-            <a:off x="2606042" y="4754881"/>
-            <a:ext cx="13533915" cy="2900257"/>
+            <a:off x="4937765" y="8778243"/>
+            <a:ext cx="25643207" cy="5354321"/>
           </a:xfrm>
         </p:spPr>
         <p:txBody>
@@ -1104,7 +1309,7 @@
           <a:lstStyle>
             <a:lvl1pPr marL="0" indent="0">
               <a:buNone/>
-              <a:defRPr sz="4853">
+              <a:defRPr sz="8960">
                 <a:solidFill>
                   <a:schemeClr val="tx1">
                     <a:lumMod val="95000"/>
@@ -1115,7 +1320,7 @@
             </a:lvl1pPr>
             <a:lvl2pPr>
               <a:buNone/>
-              <a:defRPr sz="3120">
+              <a:defRPr sz="5760">
                 <a:solidFill>
                   <a:schemeClr val="tx1">
                     <a:tint val="75000"/>
@@ -1125,7 +1330,7 @@
             </a:lvl2pPr>
             <a:lvl3pPr>
               <a:buNone/>
-              <a:defRPr sz="2773">
+              <a:defRPr sz="5120">
                 <a:solidFill>
                   <a:schemeClr val="tx1">
                     <a:tint val="75000"/>
@@ -1135,7 +1340,7 @@
             </a:lvl3pPr>
             <a:lvl4pPr>
               <a:buNone/>
-              <a:defRPr sz="2427">
+              <a:defRPr sz="4481">
                 <a:solidFill>
                   <a:schemeClr val="tx1">
                     <a:tint val="75000"/>
@@ -1145,7 +1350,7 @@
             </a:lvl4pPr>
             <a:lvl5pPr>
               <a:buNone/>
-              <a:defRPr sz="2427">
+              <a:defRPr sz="4481">
                 <a:solidFill>
                   <a:schemeClr val="tx1">
                     <a:tint val="75000"/>
@@ -1171,8 +1376,8 @@
         </p:nvSpPr>
         <p:spPr bwMode="white">
           <a:xfrm>
-            <a:off x="0" y="2641600"/>
-            <a:ext cx="17373600" cy="1981200"/>
+            <a:off x="0" y="4876800"/>
+            <a:ext cx="32918400" cy="3657600"/>
           </a:xfrm>
           <a:prstGeom prst="rect">
             <a:avLst/>
@@ -1205,7 +1410,7 @@
           <a:lstStyle/>
           <a:p>
             <a:pPr algn="ctr" eaLnBrk="1" latinLnBrk="0" hangingPunct="1"/>
-            <a:endParaRPr kumimoji="0" lang="en-US" sz="7488" dirty="0"/>
+            <a:endParaRPr kumimoji="0" lang="en-US" sz="13824" dirty="0"/>
           </a:p>
         </p:txBody>
       </p:sp>
@@ -1217,8 +1422,8 @@
         </p:nvSpPr>
         <p:spPr>
           <a:xfrm>
-            <a:off x="0" y="2773680"/>
-            <a:ext cx="2461260" cy="1717040"/>
+            <a:off x="0" y="5120640"/>
+            <a:ext cx="4663440" cy="3169920"/>
           </a:xfrm>
           <a:prstGeom prst="rect">
             <a:avLst/>
@@ -1253,7 +1458,7 @@
           <a:lstStyle/>
           <a:p>
             <a:pPr algn="ctr" eaLnBrk="1" latinLnBrk="0" hangingPunct="1"/>
-            <a:endParaRPr kumimoji="0" lang="en-US" sz="7488" dirty="0"/>
+            <a:endParaRPr kumimoji="0" lang="en-US" sz="13824" dirty="0"/>
           </a:p>
         </p:txBody>
       </p:sp>
@@ -1265,8 +1470,8 @@
         </p:nvSpPr>
         <p:spPr>
           <a:xfrm>
-            <a:off x="2606040" y="2773680"/>
-            <a:ext cx="14767560" cy="1717040"/>
+            <a:off x="4937760" y="5120640"/>
+            <a:ext cx="27980640" cy="3169920"/>
           </a:xfrm>
           <a:prstGeom prst="rect">
             <a:avLst/>
@@ -1301,7 +1506,7 @@
           <a:lstStyle/>
           <a:p>
             <a:pPr algn="ctr" eaLnBrk="1" latinLnBrk="0" hangingPunct="1"/>
-            <a:endParaRPr kumimoji="0" lang="en-US" sz="7488" dirty="0"/>
+            <a:endParaRPr kumimoji="0" lang="en-US" sz="13824" dirty="0"/>
           </a:p>
         </p:txBody>
       </p:sp>
@@ -1317,8 +1522,8 @@
         </p:nvSpPr>
         <p:spPr>
           <a:xfrm>
-            <a:off x="2606040" y="2773680"/>
-            <a:ext cx="14478000" cy="1717040"/>
+            <a:off x="4937760" y="5120640"/>
+            <a:ext cx="27432000" cy="3169920"/>
           </a:xfrm>
           <a:solidFill>
             <a:schemeClr val="accent2">
@@ -1332,7 +1537,7 @@
           <a:lstStyle>
             <a:lvl1pPr algn="l">
               <a:buNone/>
-              <a:defRPr sz="7626" b="0" cap="none">
+              <a:defRPr sz="14079" b="0" cap="none">
                 <a:solidFill>
                   <a:srgbClr val="FFFFFF"/>
                 </a:solidFill>
@@ -1360,8 +1565,8 @@
         </p:nvSpPr>
         <p:spPr>
           <a:xfrm>
-            <a:off x="1158240" y="10830225"/>
-            <a:ext cx="14478000" cy="633220"/>
+            <a:off x="2194560" y="19994261"/>
+            <a:ext cx="27432000" cy="1169022"/>
           </a:xfrm>
           <a:prstGeom prst="rect">
             <a:avLst/>
@@ -1399,8 +1604,8 @@
         </p:nvSpPr>
         <p:spPr>
           <a:xfrm>
-            <a:off x="15642031" y="10848675"/>
-            <a:ext cx="1013460" cy="614769"/>
+            <a:off x="29637532" y="20028324"/>
+            <a:ext cx="1920240" cy="1134958"/>
           </a:xfrm>
           <a:prstGeom prst="rect">
             <a:avLst/>
@@ -1471,7 +1676,7 @@
           </a:bodyPr>
           <a:lstStyle>
             <a:lvl1pPr>
-              <a:defRPr sz="6933"/>
+              <a:defRPr sz="12800"/>
             </a:lvl1pPr>
           </a:lstStyle>
           <a:p>
@@ -1494,8 +1699,8 @@
         </p:nvSpPr>
         <p:spPr>
           <a:xfrm>
-            <a:off x="1158240" y="2755250"/>
-            <a:ext cx="7383780" cy="7924800"/>
+            <a:off x="2194560" y="5086615"/>
+            <a:ext cx="13990320" cy="14630400"/>
           </a:xfrm>
         </p:spPr>
         <p:txBody>
@@ -1536,8 +1741,8 @@
         </p:nvSpPr>
         <p:spPr>
           <a:xfrm>
-            <a:off x="9205312" y="2755250"/>
-            <a:ext cx="7383780" cy="7924800"/>
+            <a:off x="17441644" y="5086615"/>
+            <a:ext cx="13990320" cy="14630400"/>
           </a:xfrm>
         </p:spPr>
         <p:txBody>
@@ -1578,8 +1783,8 @@
         </p:nvSpPr>
         <p:spPr>
           <a:xfrm>
-            <a:off x="1158240" y="10830225"/>
-            <a:ext cx="14478000" cy="633220"/>
+            <a:off x="2194560" y="19994261"/>
+            <a:ext cx="27432000" cy="1169022"/>
           </a:xfrm>
           <a:prstGeom prst="rect">
             <a:avLst/>
@@ -1617,8 +1822,8 @@
         </p:nvSpPr>
         <p:spPr>
           <a:xfrm>
-            <a:off x="15642031" y="10848675"/>
-            <a:ext cx="1013460" cy="614769"/>
+            <a:off x="29637532" y="20028324"/>
+            <a:ext cx="1920240" cy="1134958"/>
           </a:xfrm>
           <a:prstGeom prst="rect">
             <a:avLst/>
@@ -1689,7 +1894,7 @@
           </a:bodyPr>
           <a:lstStyle>
             <a:lvl1pPr>
-              <a:defRPr sz="7626"/>
+              <a:defRPr sz="14079"/>
             </a:lvl1pPr>
           </a:lstStyle>
           <a:p>
@@ -1712,8 +1917,8 @@
         </p:nvSpPr>
         <p:spPr>
           <a:xfrm>
-            <a:off x="1158240" y="10830225"/>
-            <a:ext cx="14333220" cy="632883"/>
+            <a:off x="2194560" y="19994263"/>
+            <a:ext cx="27157680" cy="1168399"/>
           </a:xfrm>
           <a:prstGeom prst="rect">
             <a:avLst/>
@@ -1751,8 +1956,8 @@
         </p:nvSpPr>
         <p:spPr>
           <a:xfrm>
-            <a:off x="15642031" y="10848675"/>
-            <a:ext cx="1013460" cy="614769"/>
+            <a:off x="29637532" y="20028324"/>
+            <a:ext cx="1920240" cy="1134958"/>
           </a:xfrm>
           <a:prstGeom prst="rect">
             <a:avLst/>
@@ -1818,8 +2023,8 @@
         </p:nvSpPr>
         <p:spPr>
           <a:xfrm>
-            <a:off x="1158241" y="10830225"/>
-            <a:ext cx="13413679" cy="632883"/>
+            <a:off x="2194563" y="19994263"/>
+            <a:ext cx="25415392" cy="1168399"/>
           </a:xfrm>
           <a:prstGeom prst="rect">
             <a:avLst/>
@@ -1857,8 +2062,8 @@
         </p:nvSpPr>
         <p:spPr>
           <a:xfrm>
-            <a:off x="15642031" y="10848675"/>
-            <a:ext cx="1013460" cy="614769"/>
+            <a:off x="29637532" y="20028324"/>
+            <a:ext cx="1920240" cy="1134958"/>
           </a:xfrm>
           <a:prstGeom prst="rect">
             <a:avLst/>
@@ -1924,8 +2129,8 @@
         </p:nvSpPr>
         <p:spPr>
           <a:xfrm>
-            <a:off x="1158242" y="396241"/>
-            <a:ext cx="15201898" cy="1692276"/>
+            <a:off x="2194564" y="731522"/>
+            <a:ext cx="28803596" cy="3124202"/>
           </a:xfrm>
         </p:spPr>
         <p:txBody>
@@ -1934,7 +2139,7 @@
           </a:bodyPr>
           <a:lstStyle>
             <a:lvl1pPr>
-              <a:defRPr sz="6240"/>
+              <a:defRPr sz="11520"/>
             </a:lvl1pPr>
           </a:lstStyle>
           <a:p>
@@ -1957,8 +2162,8 @@
         </p:nvSpPr>
         <p:spPr>
           <a:xfrm>
-            <a:off x="1164031" y="2773680"/>
-            <a:ext cx="7522769" cy="7792388"/>
+            <a:off x="2205533" y="5120640"/>
+            <a:ext cx="14253668" cy="14385947"/>
           </a:xfrm>
         </p:spPr>
         <p:txBody>
@@ -2013,8 +2218,8 @@
         </p:nvSpPr>
         <p:spPr>
           <a:xfrm>
-            <a:off x="8976362" y="2773680"/>
-            <a:ext cx="7383780" cy="7792720"/>
+            <a:off x="17007844" y="5120640"/>
+            <a:ext cx="13990320" cy="14386560"/>
           </a:xfrm>
         </p:spPr>
         <p:txBody>
@@ -2165,8 +2370,8 @@
         </p:nvSpPr>
         <p:spPr>
           <a:xfrm>
-            <a:off x="1158240" y="396240"/>
-            <a:ext cx="15491460" cy="1717040"/>
+            <a:off x="2194560" y="731520"/>
+            <a:ext cx="29352240" cy="3169920"/>
           </a:xfrm>
           <a:prstGeom prst="rect">
             <a:avLst/>
@@ -2197,8 +2402,8 @@
         </p:nvSpPr>
         <p:spPr>
           <a:xfrm>
-            <a:off x="1164031" y="2773680"/>
-            <a:ext cx="15491460" cy="7845552"/>
+            <a:off x="2205532" y="5120640"/>
+            <a:ext cx="29352240" cy="14484096"/>
           </a:xfrm>
           <a:prstGeom prst="rect">
             <a:avLst/>
@@ -2240,8 +2445,8 @@
         </p:nvSpPr>
         <p:spPr bwMode="white">
           <a:xfrm>
-            <a:off x="0" y="2139696"/>
-            <a:ext cx="17373600" cy="554736"/>
+            <a:off x="0" y="3950208"/>
+            <a:ext cx="32918400" cy="1024128"/>
           </a:xfrm>
           <a:prstGeom prst="rect">
             <a:avLst/>
@@ -2274,7 +2479,7 @@
           <a:lstStyle/>
           <a:p>
             <a:pPr algn="ctr" eaLnBrk="1" latinLnBrk="0" hangingPunct="1"/>
-            <a:endParaRPr kumimoji="0" lang="en-US" sz="7488" dirty="0"/>
+            <a:endParaRPr kumimoji="0" lang="en-US" sz="13824" dirty="0"/>
           </a:p>
         </p:txBody>
       </p:sp>
@@ -2286,8 +2491,8 @@
         </p:nvSpPr>
         <p:spPr>
           <a:xfrm>
-            <a:off x="0" y="2218944"/>
-            <a:ext cx="1013460" cy="396240"/>
+            <a:off x="0" y="4096512"/>
+            <a:ext cx="1920240" cy="731520"/>
           </a:xfrm>
           <a:prstGeom prst="rect">
             <a:avLst/>
@@ -2322,7 +2527,7 @@
           <a:lstStyle/>
           <a:p>
             <a:pPr algn="ctr" eaLnBrk="1" latinLnBrk="0" hangingPunct="1"/>
-            <a:endParaRPr kumimoji="0" lang="en-US" sz="7488" dirty="0"/>
+            <a:endParaRPr kumimoji="0" lang="en-US" sz="13824" dirty="0"/>
           </a:p>
         </p:txBody>
       </p:sp>
@@ -2334,8 +2539,8 @@
         </p:nvSpPr>
         <p:spPr>
           <a:xfrm>
-            <a:off x="1122045" y="2218944"/>
-            <a:ext cx="16251555" cy="396240"/>
+            <a:off x="2125981" y="4096512"/>
+            <a:ext cx="30792420" cy="731520"/>
           </a:xfrm>
           <a:prstGeom prst="rect">
             <a:avLst/>
@@ -2371,7 +2576,7 @@
           <a:lstStyle/>
           <a:p>
             <a:pPr algn="ctr" eaLnBrk="1" latinLnBrk="0" hangingPunct="1"/>
-            <a:endParaRPr kumimoji="0" lang="en-US" sz="7488" dirty="0"/>
+            <a:endParaRPr kumimoji="0" lang="en-US" sz="13824" dirty="0"/>
           </a:p>
         </p:txBody>
       </p:sp>
@@ -2387,8 +2592,8 @@
         </p:nvSpPr>
         <p:spPr>
           <a:xfrm>
-            <a:off x="15642031" y="10848675"/>
-            <a:ext cx="1013460" cy="614769"/>
+            <a:off x="29637532" y="20028324"/>
+            <a:ext cx="1920240" cy="1134958"/>
           </a:xfrm>
           <a:prstGeom prst="rect">
             <a:avLst/>
@@ -2429,8 +2634,8 @@
         </p:nvSpPr>
         <p:spPr>
           <a:xfrm>
-            <a:off x="1158240" y="10830225"/>
-            <a:ext cx="14333220" cy="528657"/>
+            <a:off x="2194560" y="19994263"/>
+            <a:ext cx="27157680" cy="975982"/>
           </a:xfrm>
           <a:prstGeom prst="rect">
             <a:avLst/>
@@ -2464,8 +2669,8 @@
         </p:nvCxnSpPr>
         <p:spPr>
           <a:xfrm>
-            <a:off x="1158240" y="10733892"/>
-            <a:ext cx="15497251" cy="0"/>
+            <a:off x="2194561" y="19816416"/>
+            <a:ext cx="29363212" cy="0"/>
           </a:xfrm>
           <a:prstGeom prst="line">
             <a:avLst/>
@@ -2514,7 +2719,7 @@
           <a:spcPct val="0"/>
         </a:spcBef>
         <a:buNone/>
-        <a:defRPr kumimoji="0" sz="6240" kern="1200">
+        <a:defRPr kumimoji="0" sz="11520" kern="1200">
           <a:solidFill>
             <a:schemeClr val="tx1">
               <a:lumMod val="95000"/>
@@ -2528,9 +2733,9 @@
       </a:lvl1pPr>
     </p:titleStyle>
     <p:bodyStyle>
-      <a:lvl1pPr marL="554705" indent="-554705" algn="l" rtl="0" eaLnBrk="1" latinLnBrk="0" hangingPunct="1">
+      <a:lvl1pPr marL="1024096" indent="-1024096" algn="l" rtl="0" eaLnBrk="1" latinLnBrk="0" hangingPunct="1">
         <a:spcBef>
-          <a:spcPts val="2080"/>
+          <a:spcPts val="3840"/>
         </a:spcBef>
         <a:buClr>
           <a:schemeClr val="accent2">
@@ -2541,7 +2746,7 @@
         <a:buSzPct val="70000"/>
         <a:buFont typeface="Arial"/>
         <a:buChar char="•"/>
-        <a:defRPr kumimoji="0" sz="4333" kern="1200">
+        <a:defRPr kumimoji="0" sz="8000" kern="1200">
           <a:solidFill>
             <a:schemeClr val="tx1">
               <a:lumMod val="95000"/>
@@ -2553,9 +2758,9 @@
           <a:cs typeface="+mn-cs"/>
         </a:defRPr>
       </a:lvl1pPr>
-      <a:lvl2pPr marL="1109410" indent="-475462" algn="l" rtl="0" eaLnBrk="1" latinLnBrk="0" hangingPunct="1">
+      <a:lvl2pPr marL="2048193" indent="-877798" algn="l" rtl="0" eaLnBrk="1" latinLnBrk="0" hangingPunct="1">
         <a:spcBef>
-          <a:spcPts val="953"/>
+          <a:spcPts val="1759"/>
         </a:spcBef>
         <a:buClr>
           <a:schemeClr val="accent2">
@@ -2566,7 +2771,7 @@
         <a:buSzPct val="70000"/>
         <a:buFont typeface="Arial"/>
         <a:buChar char="•"/>
-        <a:defRPr kumimoji="0" sz="3813" kern="1200">
+        <a:defRPr kumimoji="0" sz="7040" kern="1200">
           <a:solidFill>
             <a:schemeClr val="tx1">
               <a:lumMod val="95000"/>
@@ -2578,9 +2783,9 @@
           <a:cs typeface="+mn-cs"/>
         </a:defRPr>
       </a:lvl2pPr>
-      <a:lvl3pPr marL="1584872" indent="-396218" algn="l" rtl="0" eaLnBrk="1" latinLnBrk="0" hangingPunct="1">
+      <a:lvl3pPr marL="2925991" indent="-731498" algn="l" rtl="0" eaLnBrk="1" latinLnBrk="0" hangingPunct="1">
         <a:spcBef>
-          <a:spcPts val="867"/>
+          <a:spcPts val="1601"/>
         </a:spcBef>
         <a:buClr>
           <a:schemeClr val="accent2">
@@ -2591,7 +2796,7 @@
         <a:buSzPct val="70000"/>
         <a:buFont typeface="Arial"/>
         <a:buChar char="•"/>
-        <a:defRPr kumimoji="0" sz="3467" kern="1200">
+        <a:defRPr kumimoji="0" sz="6401" kern="1200">
           <a:solidFill>
             <a:schemeClr val="tx1">
               <a:lumMod val="95000"/>
@@ -2603,9 +2808,9 @@
           <a:cs typeface="+mn-cs"/>
         </a:defRPr>
       </a:lvl3pPr>
-      <a:lvl4pPr marL="2377308" indent="-396218" algn="l" rtl="0" eaLnBrk="1" latinLnBrk="0" hangingPunct="1">
+      <a:lvl4pPr marL="4388986" indent="-731498" algn="l" rtl="0" eaLnBrk="1" latinLnBrk="0" hangingPunct="1">
         <a:spcBef>
-          <a:spcPts val="693"/>
+          <a:spcPts val="1279"/>
         </a:spcBef>
         <a:buClr>
           <a:schemeClr val="accent3"/>
@@ -2613,7 +2818,7 @@
         <a:buSzPct val="75000"/>
         <a:buFont typeface="Wingdings" charset="2"/>
         <a:buChar char="§"/>
-        <a:defRPr kumimoji="0" sz="3467" kern="1200">
+        <a:defRPr kumimoji="0" sz="6401" kern="1200">
           <a:solidFill>
             <a:schemeClr val="tx1"/>
           </a:solidFill>
@@ -2622,9 +2827,9 @@
           <a:cs typeface="+mn-cs"/>
         </a:defRPr>
       </a:lvl4pPr>
-      <a:lvl5pPr marL="3169743" indent="-396218" algn="l" rtl="0" eaLnBrk="1" latinLnBrk="0" hangingPunct="1">
+      <a:lvl5pPr marL="5851980" indent="-731498" algn="l" rtl="0" eaLnBrk="1" latinLnBrk="0" hangingPunct="1">
         <a:spcBef>
-          <a:spcPts val="693"/>
+          <a:spcPts val="1279"/>
         </a:spcBef>
         <a:buClr>
           <a:schemeClr val="accent4"/>
@@ -2632,7 +2837,7 @@
         <a:buSzPct val="65000"/>
         <a:buFont typeface="Wingdings" charset="2"/>
         <a:buChar char="§"/>
-        <a:defRPr kumimoji="0" sz="3467" kern="1200">
+        <a:defRPr kumimoji="0" sz="6401" kern="1200">
           <a:solidFill>
             <a:schemeClr val="tx1"/>
           </a:solidFill>
@@ -2641,7 +2846,7 @@
           <a:cs typeface="+mn-cs"/>
         </a:defRPr>
       </a:lvl5pPr>
-      <a:lvl6pPr marL="3645205" indent="-396218" algn="l" rtl="0" eaLnBrk="1" latinLnBrk="0" hangingPunct="1">
+      <a:lvl6pPr marL="6729777" indent="-731498" algn="l" rtl="0" eaLnBrk="1" latinLnBrk="0" hangingPunct="1">
         <a:spcBef>
           <a:spcPct val="20000"/>
         </a:spcBef>
@@ -2650,7 +2855,7 @@
         </a:buClr>
         <a:buFont typeface="Wingdings"/>
         <a:buChar char="§"/>
-        <a:defRPr kumimoji="0" sz="3120" kern="1200" baseline="0">
+        <a:defRPr kumimoji="0" sz="5760" kern="1200" baseline="0">
           <a:solidFill>
             <a:schemeClr val="tx1"/>
           </a:solidFill>
@@ -2659,7 +2864,7 @@
           <a:cs typeface="+mn-cs"/>
         </a:defRPr>
       </a:lvl6pPr>
-      <a:lvl7pPr marL="4120666" indent="-396218" algn="l" rtl="0" eaLnBrk="1" latinLnBrk="0" hangingPunct="1">
+      <a:lvl7pPr marL="7607574" indent="-731498" algn="l" rtl="0" eaLnBrk="1" latinLnBrk="0" hangingPunct="1">
         <a:spcBef>
           <a:spcPct val="20000"/>
         </a:spcBef>
@@ -2668,7 +2873,7 @@
         </a:buClr>
         <a:buFont typeface="Wingdings"/>
         <a:buChar char="§"/>
-        <a:defRPr kumimoji="0" sz="3120" kern="1200" baseline="0">
+        <a:defRPr kumimoji="0" sz="5760" kern="1200" baseline="0">
           <a:solidFill>
             <a:schemeClr val="tx1"/>
           </a:solidFill>
@@ -2677,7 +2882,7 @@
           <a:cs typeface="+mn-cs"/>
         </a:defRPr>
       </a:lvl7pPr>
-      <a:lvl8pPr marL="4596128" indent="-396218" algn="l" rtl="0" eaLnBrk="1" latinLnBrk="0" hangingPunct="1">
+      <a:lvl8pPr marL="8485372" indent="-731498" algn="l" rtl="0" eaLnBrk="1" latinLnBrk="0" hangingPunct="1">
         <a:spcBef>
           <a:spcPct val="20000"/>
         </a:spcBef>
@@ -2686,7 +2891,7 @@
         </a:buClr>
         <a:buFont typeface="Wingdings"/>
         <a:buChar char="§"/>
-        <a:defRPr kumimoji="0" sz="3120" kern="1200" baseline="0">
+        <a:defRPr kumimoji="0" sz="5760" kern="1200" baseline="0">
           <a:solidFill>
             <a:schemeClr val="tx1"/>
           </a:solidFill>
@@ -2695,7 +2900,7 @@
           <a:cs typeface="+mn-cs"/>
         </a:defRPr>
       </a:lvl8pPr>
-      <a:lvl9pPr marL="5071589" indent="-396218" algn="l" rtl="0" eaLnBrk="1" latinLnBrk="0" hangingPunct="1">
+      <a:lvl9pPr marL="9363168" indent="-731498" algn="l" rtl="0" eaLnBrk="1" latinLnBrk="0" hangingPunct="1">
         <a:spcBef>
           <a:spcPct val="20000"/>
         </a:spcBef>
@@ -2704,7 +2909,7 @@
         </a:buClr>
         <a:buFont typeface="Wingdings"/>
         <a:buChar char="§"/>
-        <a:defRPr kumimoji="0" sz="3120" kern="1200" baseline="0">
+        <a:defRPr kumimoji="0" sz="5760" kern="1200" baseline="0">
           <a:solidFill>
             <a:schemeClr val="tx1"/>
           </a:solidFill>
@@ -2725,7 +2930,7 @@
           <a:cs typeface="+mn-cs"/>
         </a:defRPr>
       </a:lvl1pPr>
-      <a:lvl2pPr marL="792436" algn="l" rtl="0" eaLnBrk="1" latinLnBrk="0" hangingPunct="1">
+      <a:lvl2pPr marL="1462995" algn="l" rtl="0" eaLnBrk="1" latinLnBrk="0" hangingPunct="1">
         <a:defRPr kumimoji="0" kern="1200">
           <a:solidFill>
             <a:schemeClr val="tx1"/>
@@ -2735,7 +2940,7 @@
           <a:cs typeface="+mn-cs"/>
         </a:defRPr>
       </a:lvl2pPr>
-      <a:lvl3pPr marL="1584872" algn="l" rtl="0" eaLnBrk="1" latinLnBrk="0" hangingPunct="1">
+      <a:lvl3pPr marL="2925991" algn="l" rtl="0" eaLnBrk="1" latinLnBrk="0" hangingPunct="1">
         <a:defRPr kumimoji="0" kern="1200">
           <a:solidFill>
             <a:schemeClr val="tx1"/>
@@ -2745,7 +2950,7 @@
           <a:cs typeface="+mn-cs"/>
         </a:defRPr>
       </a:lvl3pPr>
-      <a:lvl4pPr marL="2377308" algn="l" rtl="0" eaLnBrk="1" latinLnBrk="0" hangingPunct="1">
+      <a:lvl4pPr marL="4388986" algn="l" rtl="0" eaLnBrk="1" latinLnBrk="0" hangingPunct="1">
         <a:defRPr kumimoji="0" kern="1200">
           <a:solidFill>
             <a:schemeClr val="tx1"/>
@@ -2755,7 +2960,7 @@
           <a:cs typeface="+mn-cs"/>
         </a:defRPr>
       </a:lvl4pPr>
-      <a:lvl5pPr marL="3169743" algn="l" rtl="0" eaLnBrk="1" latinLnBrk="0" hangingPunct="1">
+      <a:lvl5pPr marL="5851980" algn="l" rtl="0" eaLnBrk="1" latinLnBrk="0" hangingPunct="1">
         <a:defRPr kumimoji="0" kern="1200">
           <a:solidFill>
             <a:schemeClr val="tx1"/>
@@ -2765,7 +2970,7 @@
           <a:cs typeface="+mn-cs"/>
         </a:defRPr>
       </a:lvl5pPr>
-      <a:lvl6pPr marL="3962179" algn="l" rtl="0" eaLnBrk="1" latinLnBrk="0" hangingPunct="1">
+      <a:lvl6pPr marL="7314975" algn="l" rtl="0" eaLnBrk="1" latinLnBrk="0" hangingPunct="1">
         <a:defRPr kumimoji="0" kern="1200">
           <a:solidFill>
             <a:schemeClr val="tx1"/>
@@ -2775,7 +2980,7 @@
           <a:cs typeface="+mn-cs"/>
         </a:defRPr>
       </a:lvl6pPr>
-      <a:lvl7pPr marL="4754615" algn="l" rtl="0" eaLnBrk="1" latinLnBrk="0" hangingPunct="1">
+      <a:lvl7pPr marL="8777970" algn="l" rtl="0" eaLnBrk="1" latinLnBrk="0" hangingPunct="1">
         <a:defRPr kumimoji="0" kern="1200">
           <a:solidFill>
             <a:schemeClr val="tx1"/>
@@ -2785,7 +2990,7 @@
           <a:cs typeface="+mn-cs"/>
         </a:defRPr>
       </a:lvl7pPr>
-      <a:lvl8pPr marL="5547051" algn="l" rtl="0" eaLnBrk="1" latinLnBrk="0" hangingPunct="1">
+      <a:lvl8pPr marL="10240966" algn="l" rtl="0" eaLnBrk="1" latinLnBrk="0" hangingPunct="1">
         <a:defRPr kumimoji="0" kern="1200">
           <a:solidFill>
             <a:schemeClr val="tx1"/>
@@ -2795,7 +3000,7 @@
           <a:cs typeface="+mn-cs"/>
         </a:defRPr>
       </a:lvl8pPr>
-      <a:lvl9pPr marL="6339487" algn="l" rtl="0" eaLnBrk="1" latinLnBrk="0" hangingPunct="1">
+      <a:lvl9pPr marL="11703961" algn="l" rtl="0" eaLnBrk="1" latinLnBrk="0" hangingPunct="1">
         <a:defRPr kumimoji="0" kern="1200">
           <a:solidFill>
             <a:schemeClr val="tx1"/>
@@ -2841,8 +3046,8 @@
         </p:nvSpPr>
         <p:spPr>
           <a:xfrm>
-            <a:off x="0" y="0"/>
-            <a:ext cx="17373600" cy="11887201"/>
+            <a:off x="0" y="1"/>
+            <a:ext cx="32918400" cy="21945602"/>
           </a:xfrm>
           <a:prstGeom prst="rect">
             <a:avLst/>
@@ -2895,7 +3100,7 @@
           <a:lstStyle/>
           <a:p>
             <a:pPr algn="ctr"/>
-            <a:endParaRPr lang="en-US" sz="2377" dirty="0"/>
+            <a:endParaRPr lang="en-US" sz="4388" dirty="0"/>
           </a:p>
         </p:txBody>
       </p:sp>
@@ -2915,8 +3120,8 @@
         </p:nvSpPr>
         <p:spPr>
           <a:xfrm>
-            <a:off x="4188762" y="10669852"/>
-            <a:ext cx="12367805" cy="1155700"/>
+            <a:off x="8155131" y="19698188"/>
+            <a:ext cx="22832871" cy="2133600"/>
           </a:xfrm>
           <a:prstGeom prst="rect">
             <a:avLst/>
@@ -3119,7 +3324,7 @@
           </a:lstStyle>
           <a:p>
             <a:r>
-              <a:rPr lang="en-US" sz="5027" dirty="0"/>
+              <a:rPr lang="en-US" sz="9281" dirty="0"/>
               <a:t>15.071—The Analytics Edge 			Fall 2019</a:t>
             </a:r>
           </a:p>
@@ -3139,8 +3344,8 @@
         </p:nvSpPr>
         <p:spPr>
           <a:xfrm>
-            <a:off x="174985" y="11049000"/>
-            <a:ext cx="3880950" cy="679704"/>
+            <a:off x="304800" y="20398154"/>
+            <a:ext cx="7605111" cy="1254838"/>
           </a:xfrm>
           <a:prstGeom prst="rect">
             <a:avLst/>
@@ -3175,7 +3380,7 @@
           <a:lstStyle/>
           <a:p>
             <a:pPr algn="ctr" eaLnBrk="1" latinLnBrk="0" hangingPunct="1"/>
-            <a:endParaRPr lang="en-US" sz="7488" dirty="0"/>
+            <a:endParaRPr lang="en-US" sz="13824" dirty="0"/>
           </a:p>
         </p:txBody>
       </p:sp>
@@ -3193,8 +3398,8 @@
         </p:nvSpPr>
         <p:spPr>
           <a:xfrm>
-            <a:off x="4148598" y="11043813"/>
-            <a:ext cx="13050018" cy="684891"/>
+            <a:off x="8080981" y="20388579"/>
+            <a:ext cx="24532619" cy="1264414"/>
           </a:xfrm>
           <a:prstGeom prst="rect">
             <a:avLst/>
@@ -3230,7 +3435,7 @@
           <a:lstStyle/>
           <a:p>
             <a:pPr algn="ctr" eaLnBrk="1" latinLnBrk="0" hangingPunct="1"/>
-            <a:endParaRPr lang="en-US" sz="7488" dirty="0"/>
+            <a:endParaRPr lang="en-US" sz="13824" dirty="0"/>
           </a:p>
         </p:txBody>
       </p:sp>
@@ -3250,8 +3455,8 @@
         </p:nvSpPr>
         <p:spPr>
           <a:xfrm>
-            <a:off x="4200675" y="11043813"/>
-            <a:ext cx="12997940" cy="643505"/>
+            <a:off x="8177123" y="20388579"/>
+            <a:ext cx="23996197" cy="1188009"/>
           </a:xfrm>
           <a:prstGeom prst="rect">
             <a:avLst/>
@@ -3457,7 +3662,7 @@
               <a:defRPr/>
             </a:pPr>
             <a:r>
-              <a:rPr lang="en-US" sz="3600" dirty="0"/>
+              <a:rPr lang="en-US" sz="6646" dirty="0"/>
               <a:t>15.093—Optimization		                                        Fall 2022</a:t>
             </a:r>
           </a:p>
@@ -3479,15 +3684,15 @@
         </p:nvSpPr>
         <p:spPr>
           <a:xfrm>
-            <a:off x="2612500" y="-18702"/>
-            <a:ext cx="12148601" cy="1695102"/>
+            <a:off x="5245109" y="-34527"/>
+            <a:ext cx="22428186" cy="3129419"/>
           </a:xfrm>
           <a:prstGeom prst="rect">
             <a:avLst/>
           </a:prstGeom>
         </p:spPr>
         <p:txBody>
-          <a:bodyPr vert="horz" tIns="91440" anchor="ctr">
+          <a:bodyPr vert="horz" tIns="168812" anchor="ctr">
             <a:normAutofit/>
           </a:bodyPr>
           <a:lstStyle>
@@ -3510,16 +3715,16 @@
             </a:lvl1pPr>
           </a:lstStyle>
           <a:p>
-            <a:pPr algn="ctr" defTabSz="914400"/>
-            <a:r>
-              <a:rPr lang="en-US" sz="4000" dirty="0"/>
+            <a:pPr algn="ctr" defTabSz="1688165"/>
+            <a:r>
+              <a:rPr lang="en-US" sz="7385" dirty="0"/>
               <a:t>Proposing an Optimal Formula 1 Race Schedule with </a:t>
             </a:r>
             <a:br>
-              <a:rPr lang="en-US" sz="4000" dirty="0"/>
+              <a:rPr lang="en-US" sz="7385" dirty="0"/>
             </a:br>
             <a:r>
-              <a:rPr lang="en-US" sz="4000" dirty="0"/>
+              <a:rPr lang="en-US" sz="7385" dirty="0"/>
               <a:t>Minimal Emissions and Maximal Total Attendance</a:t>
             </a:r>
           </a:p>
@@ -3541,15 +3746,15 @@
         </p:nvSpPr>
         <p:spPr>
           <a:xfrm>
-            <a:off x="3472200" y="1514306"/>
-            <a:ext cx="10429200" cy="543094"/>
+            <a:off x="6832246" y="2795642"/>
+            <a:ext cx="19253908" cy="1002635"/>
           </a:xfrm>
           <a:prstGeom prst="rect">
             <a:avLst/>
           </a:prstGeom>
         </p:spPr>
         <p:txBody>
-          <a:bodyPr tIns="91440"/>
+          <a:bodyPr tIns="168812"/>
           <a:lstStyle>
             <a:lvl1pPr marL="554705" indent="-554705" algn="l" rtl="0" eaLnBrk="1" latinLnBrk="0" hangingPunct="1">
               <a:spcBef>
@@ -3738,11 +3943,11 @@
             </a:lvl9pPr>
           </a:lstStyle>
           <a:p>
-            <a:pPr marL="0" indent="0" algn="ctr" defTabSz="914400">
+            <a:pPr marL="0" indent="0" algn="ctr" defTabSz="1688165">
               <a:buNone/>
             </a:pPr>
             <a:r>
-              <a:rPr lang="en-US" sz="2400" dirty="0"/>
+              <a:rPr lang="en-US" sz="4431" dirty="0"/>
               <a:t>Guillaume BONHEURE and Rodrigo OLIVARES-LOPEZ</a:t>
             </a:r>
           </a:p>
@@ -3775,8 +3980,8 @@
         </p:blipFill>
         <p:spPr>
           <a:xfrm>
-            <a:off x="643888" y="231395"/>
-            <a:ext cx="1779858" cy="1695102"/>
+            <a:off x="1610747" y="427191"/>
+            <a:ext cx="3285892" cy="3129419"/>
           </a:xfrm>
           <a:prstGeom prst="rect">
             <a:avLst/>
@@ -3812,8 +4017,8 @@
         </p:blipFill>
         <p:spPr>
           <a:xfrm>
-            <a:off x="14761100" y="0"/>
-            <a:ext cx="2265788" cy="2157892"/>
+            <a:off x="27673292" y="0"/>
+            <a:ext cx="4182993" cy="3983801"/>
           </a:xfrm>
           <a:prstGeom prst="rect">
             <a:avLst/>
@@ -3836,8 +4041,8 @@
         </p:nvSpPr>
         <p:spPr>
           <a:xfrm>
-            <a:off x="174985" y="2260600"/>
-            <a:ext cx="5427133" cy="439272"/>
+            <a:off x="304792" y="4173415"/>
+            <a:ext cx="10496063" cy="810964"/>
           </a:xfrm>
           <a:prstGeom prst="rect">
             <a:avLst/>
@@ -3852,7 +4057,7 @@
           </a:ln>
         </p:spPr>
         <p:txBody>
-          <a:bodyPr lIns="91440" anchor="ctr"/>
+          <a:bodyPr lIns="168812" anchor="ctr"/>
           <a:lstStyle>
             <a:lvl1pPr marL="554705" indent="-554705" algn="l" rtl="0" eaLnBrk="1" latinLnBrk="0" hangingPunct="1">
               <a:spcBef>
@@ -4041,9 +4246,9 @@
             </a:lvl9pPr>
           </a:lstStyle>
           <a:p>
-            <a:pPr marL="0" indent="0" defTabSz="914400"/>
-            <a:r>
-              <a:rPr lang="en-US" sz="2400" dirty="0">
+            <a:pPr marL="0" indent="0" defTabSz="1688165"/>
+            <a:r>
+              <a:rPr lang="en-US" sz="4431" dirty="0">
                 <a:solidFill>
                   <a:schemeClr val="bg1"/>
                 </a:solidFill>
@@ -4069,8 +4274,8 @@
         </p:nvSpPr>
         <p:spPr>
           <a:xfrm>
-            <a:off x="5973232" y="2694847"/>
-            <a:ext cx="5427133" cy="3750248"/>
+            <a:off x="11211168" y="4975102"/>
+            <a:ext cx="10496063" cy="6923535"/>
           </a:xfrm>
           <a:prstGeom prst="rect">
             <a:avLst/>
@@ -4080,7 +4285,7 @@
           </a:solidFill>
         </p:spPr>
         <p:txBody>
-          <a:bodyPr lIns="182880" tIns="91440" rIns="182880"/>
+          <a:bodyPr lIns="337625" tIns="168812" rIns="337625"/>
           <a:lstStyle>
             <a:lvl1pPr marL="554705" indent="-554705" algn="l" rtl="0" eaLnBrk="1" latinLnBrk="0" hangingPunct="1">
               <a:spcBef>
@@ -4269,140 +4474,140 @@
             </a:lvl9pPr>
           </a:lstStyle>
           <a:p>
-            <a:pPr marL="0" indent="0" defTabSz="914400">
-              <a:spcBef>
-                <a:spcPts val="600"/>
+            <a:pPr marL="0" indent="0" defTabSz="1688165">
+              <a:spcBef>
+                <a:spcPts val="1108"/>
               </a:spcBef>
               <a:buNone/>
             </a:pPr>
             <a:r>
-              <a:rPr lang="en-US" sz="1800" b="1" dirty="0"/>
+              <a:rPr lang="en-US" sz="3323" b="1" dirty="0"/>
               <a:t>Objective</a:t>
             </a:r>
             <a:r>
-              <a:rPr lang="en-US" sz="1800" dirty="0"/>
+              <a:rPr lang="en-US" sz="3323" dirty="0"/>
               <a:t>: Minimize emissions and attendance loss</a:t>
             </a:r>
-            <a:endParaRPr lang="en-US" sz="1800" b="1" dirty="0"/>
-          </a:p>
-          <a:p>
-            <a:pPr marL="0" indent="0" defTabSz="914400">
-              <a:spcBef>
-                <a:spcPts val="600"/>
+            <a:endParaRPr lang="en-US" sz="3323" b="1" dirty="0"/>
+          </a:p>
+          <a:p>
+            <a:pPr marL="0" indent="0" defTabSz="1688165">
+              <a:spcBef>
+                <a:spcPts val="1108"/>
               </a:spcBef>
               <a:buNone/>
             </a:pPr>
             <a:r>
-              <a:rPr lang="en-US" sz="1800" b="1" dirty="0"/>
+              <a:rPr lang="en-US" sz="3323" b="1" dirty="0"/>
               <a:t>Vehicle Routing </a:t>
             </a:r>
             <a:br>
-              <a:rPr lang="en-US" sz="1800" b="1" dirty="0"/>
+              <a:rPr lang="en-US" sz="3323" b="1" dirty="0"/>
             </a:br>
             <a:r>
-              <a:rPr lang="en-US" sz="1800" dirty="0"/>
+              <a:rPr lang="en-US" sz="3323" dirty="0"/>
               <a:t>(</a:t>
             </a:r>
             <a:r>
-              <a:rPr lang="en-US" sz="1800" i="1" dirty="0"/>
+              <a:rPr lang="en-US" sz="3323" i="1" dirty="0"/>
               <a:t>the teams that return home, determines consecutive races</a:t>
             </a:r>
             <a:r>
-              <a:rPr lang="en-US" sz="1800" dirty="0"/>
+              <a:rPr lang="en-US" sz="3323" dirty="0"/>
               <a:t>):</a:t>
             </a:r>
-            <a:endParaRPr lang="en-US" sz="1800" b="1" dirty="0"/>
-          </a:p>
-          <a:p>
-            <a:pPr marL="228600" indent="-228600" defTabSz="914400">
-              <a:spcBef>
-                <a:spcPts val="600"/>
+            <a:endParaRPr lang="en-US" sz="3323" b="1" dirty="0"/>
+          </a:p>
+          <a:p>
+            <a:pPr marL="422041" indent="-422041" defTabSz="1688165">
+              <a:spcBef>
+                <a:spcPts val="1108"/>
               </a:spcBef>
               <a:buFont typeface="Arial" panose="020B0604020202020204" pitchFamily="34" charset="0"/>
               <a:buChar char="•"/>
             </a:pPr>
             <a:r>
-              <a:rPr lang="en-US" sz="1800" dirty="0"/>
+              <a:rPr lang="en-US" sz="3323" dirty="0"/>
               <a:t>Every race is visited exactly once</a:t>
             </a:r>
           </a:p>
           <a:p>
-            <a:pPr marL="228600" indent="-228600" defTabSz="914400">
-              <a:spcBef>
-                <a:spcPts val="600"/>
+            <a:pPr marL="422041" indent="-422041" defTabSz="1688165">
+              <a:spcBef>
+                <a:spcPts val="1108"/>
               </a:spcBef>
               <a:buFont typeface="Arial" panose="020B0604020202020204" pitchFamily="34" charset="0"/>
               <a:buChar char="•"/>
             </a:pPr>
             <a:r>
-              <a:rPr lang="en-US" sz="1800" dirty="0"/>
+              <a:rPr lang="en-US" sz="3323" dirty="0"/>
               <a:t>At most 2 triple consecutive races (triple header)</a:t>
             </a:r>
           </a:p>
           <a:p>
-            <a:pPr marL="228600" indent="-228600" defTabSz="914400">
-              <a:spcBef>
-                <a:spcPts val="600"/>
+            <a:pPr marL="422041" indent="-422041" defTabSz="1688165">
+              <a:spcBef>
+                <a:spcPts val="1108"/>
               </a:spcBef>
               <a:buFont typeface="Arial" panose="020B0604020202020204" pitchFamily="34" charset="0"/>
               <a:buChar char="•"/>
             </a:pPr>
             <a:r>
-              <a:rPr lang="en-US" sz="1800" dirty="0"/>
+              <a:rPr lang="en-US" sz="3323" dirty="0"/>
               <a:t>At most 6 double consecutive races </a:t>
             </a:r>
           </a:p>
           <a:p>
-            <a:pPr marL="228600" indent="-228600" defTabSz="914400">
-              <a:spcBef>
-                <a:spcPts val="600"/>
+            <a:pPr marL="422041" indent="-422041" defTabSz="1688165">
+              <a:spcBef>
+                <a:spcPts val="1108"/>
               </a:spcBef>
               <a:buFont typeface="Arial" panose="020B0604020202020204" pitchFamily="34" charset="0"/>
               <a:buChar char="•"/>
             </a:pPr>
             <a:r>
-              <a:rPr lang="en-US" sz="1800" dirty="0"/>
+              <a:rPr lang="en-US" sz="3323" dirty="0"/>
               <a:t>Never have more than 3 consecutive races</a:t>
             </a:r>
           </a:p>
           <a:p>
-            <a:pPr marL="0" indent="0" defTabSz="914400">
-              <a:spcBef>
-                <a:spcPts val="600"/>
+            <a:pPr marL="0" indent="0" defTabSz="1688165">
+              <a:spcBef>
+                <a:spcPts val="1108"/>
               </a:spcBef>
               <a:buNone/>
             </a:pPr>
             <a:r>
-              <a:rPr lang="en-US" sz="1800" b="1" dirty="0"/>
+              <a:rPr lang="en-US" sz="3323" b="1" dirty="0"/>
               <a:t>Travelling Salesman </a:t>
             </a:r>
             <a:br>
-              <a:rPr lang="en-US" sz="1800" b="1" dirty="0"/>
+              <a:rPr lang="en-US" sz="3323" b="1" dirty="0"/>
             </a:br>
             <a:r>
-              <a:rPr lang="en-US" sz="1800" dirty="0"/>
+              <a:rPr lang="en-US" sz="3323" dirty="0"/>
               <a:t>(</a:t>
             </a:r>
             <a:r>
-              <a:rPr lang="en-US" sz="1800" i="1" dirty="0"/>
+              <a:rPr lang="en-US" sz="3323" i="1" dirty="0"/>
               <a:t>logistics between races, determines overall race schedule</a:t>
             </a:r>
             <a:r>
-              <a:rPr lang="en-US" sz="1800" dirty="0"/>
+              <a:rPr lang="en-US" sz="3323" dirty="0"/>
               <a:t>):</a:t>
             </a:r>
-            <a:endParaRPr lang="en-US" sz="1800" b="1" dirty="0"/>
-          </a:p>
-          <a:p>
-            <a:pPr marL="228600" indent="-228600" defTabSz="914400">
-              <a:spcBef>
-                <a:spcPts val="600"/>
+            <a:endParaRPr lang="en-US" sz="3323" b="1" dirty="0"/>
+          </a:p>
+          <a:p>
+            <a:pPr marL="422041" indent="-422041" defTabSz="1688165">
+              <a:spcBef>
+                <a:spcPts val="1108"/>
               </a:spcBef>
               <a:buFont typeface="Arial" panose="020B0604020202020204" pitchFamily="34" charset="0"/>
               <a:buChar char="•"/>
             </a:pPr>
             <a:r>
-              <a:rPr lang="en-US" sz="1800" dirty="0"/>
+              <a:rPr lang="en-US" sz="3323" dirty="0"/>
               <a:t>Triple and double headers from VRP are fixed</a:t>
             </a:r>
           </a:p>
@@ -4424,8 +4629,8 @@
         </p:nvSpPr>
         <p:spPr>
           <a:xfrm>
-            <a:off x="5973232" y="2256720"/>
-            <a:ext cx="5427133" cy="442602"/>
+            <a:off x="11211168" y="4166253"/>
+            <a:ext cx="10496063" cy="817111"/>
           </a:xfrm>
           <a:prstGeom prst="rect">
             <a:avLst/>
@@ -4440,7 +4645,7 @@
           </a:ln>
         </p:spPr>
         <p:txBody>
-          <a:bodyPr lIns="91440" anchor="ctr"/>
+          <a:bodyPr lIns="168812" anchor="ctr"/>
           <a:lstStyle>
             <a:lvl1pPr marL="554705" indent="-554705" algn="l" rtl="0" eaLnBrk="1" latinLnBrk="0" hangingPunct="1">
               <a:spcBef>
@@ -4629,9 +4834,9 @@
             </a:lvl9pPr>
           </a:lstStyle>
           <a:p>
-            <a:pPr marL="0" indent="0" defTabSz="914400"/>
-            <a:r>
-              <a:rPr lang="en-US" sz="2400" dirty="0">
+            <a:pPr marL="0" indent="0" defTabSz="1688165"/>
+            <a:r>
+              <a:rPr lang="en-US" sz="4431" dirty="0">
                 <a:solidFill>
                   <a:schemeClr val="bg1"/>
                 </a:solidFill>
@@ -4657,8 +4862,8 @@
         </p:nvSpPr>
         <p:spPr>
           <a:xfrm>
-            <a:off x="11771481" y="2257587"/>
-            <a:ext cx="5427133" cy="442603"/>
+            <a:off x="22117547" y="4167854"/>
+            <a:ext cx="10496063" cy="817113"/>
           </a:xfrm>
           <a:prstGeom prst="rect">
             <a:avLst/>
@@ -4673,7 +4878,7 @@
           </a:ln>
         </p:spPr>
         <p:txBody>
-          <a:bodyPr lIns="91440" anchor="ctr"/>
+          <a:bodyPr lIns="168812" anchor="ctr"/>
           <a:lstStyle>
             <a:lvl1pPr marL="554705" indent="-554705" algn="l" rtl="0" eaLnBrk="1" latinLnBrk="0" hangingPunct="1">
               <a:spcBef>
@@ -4862,9 +5067,9 @@
             </a:lvl9pPr>
           </a:lstStyle>
           <a:p>
-            <a:pPr marL="0" indent="0" defTabSz="914400"/>
-            <a:r>
-              <a:rPr lang="en-US" sz="2400" dirty="0">
+            <a:pPr marL="0" indent="0" defTabSz="1688165"/>
+            <a:r>
+              <a:rPr lang="en-US" sz="4431" dirty="0">
                 <a:solidFill>
                   <a:schemeClr val="bg1"/>
                 </a:solidFill>
@@ -4890,8 +5095,8 @@
         </p:nvSpPr>
         <p:spPr>
           <a:xfrm>
-            <a:off x="174985" y="2699871"/>
-            <a:ext cx="5427133" cy="3750248"/>
+            <a:off x="304792" y="4984377"/>
+            <a:ext cx="10496063" cy="6923535"/>
           </a:xfrm>
           <a:prstGeom prst="rect">
             <a:avLst/>
@@ -4901,7 +5106,7 @@
           </a:solidFill>
         </p:spPr>
         <p:txBody>
-          <a:bodyPr lIns="182880" tIns="91440" rIns="182880"/>
+          <a:bodyPr lIns="337625" tIns="168812" rIns="337625"/>
           <a:lstStyle>
             <a:lvl1pPr marL="554705" indent="-554705" algn="l" rtl="0" eaLnBrk="1" latinLnBrk="0" hangingPunct="1">
               <a:spcBef>
@@ -5092,110 +5297,110 @@
           <a:p>
             <a:pPr marL="0" indent="0" algn="just">
               <a:spcBef>
-                <a:spcPts val="600"/>
+                <a:spcPts val="1108"/>
               </a:spcBef>
               <a:buNone/>
             </a:pPr>
             <a:r>
-              <a:rPr lang="en-US" sz="1800" dirty="0"/>
+              <a:rPr lang="en-US" sz="3323" dirty="0"/>
               <a:t>Formula 1 is a sport with </a:t>
             </a:r>
             <a:r>
-              <a:rPr lang="en-US" sz="1800" b="1" dirty="0"/>
+              <a:rPr lang="en-US" sz="3323" b="1" dirty="0"/>
               <a:t>very complex logistics:</a:t>
             </a:r>
           </a:p>
           <a:p>
-            <a:pPr marL="228600" indent="-228600" algn="just">
-              <a:spcBef>
-                <a:spcPts val="600"/>
+            <a:pPr marL="422041" indent="-422041" algn="just">
+              <a:spcBef>
+                <a:spcPts val="1108"/>
               </a:spcBef>
               <a:buFont typeface="Arial" panose="020B0604020202020204" pitchFamily="34" charset="0"/>
               <a:buChar char="•"/>
             </a:pPr>
             <a:r>
-              <a:rPr lang="en-US" sz="1800" dirty="0"/>
+              <a:rPr lang="en-US" sz="3323" dirty="0"/>
               <a:t>Teams and equipment need to </a:t>
             </a:r>
             <a:r>
-              <a:rPr lang="en-US" sz="1800" b="1" dirty="0"/>
+              <a:rPr lang="en-US" sz="3323" b="1" dirty="0"/>
               <a:t>travel the globe </a:t>
             </a:r>
             <a:r>
-              <a:rPr lang="en-US" sz="1800" dirty="0"/>
+              <a:rPr lang="en-US" sz="3323" dirty="0"/>
               <a:t>in very </a:t>
             </a:r>
             <a:r>
-              <a:rPr lang="en-US" sz="1800" b="1" dirty="0"/>
+              <a:rPr lang="en-US" sz="3323" b="1" dirty="0"/>
               <a:t>short timeframes </a:t>
             </a:r>
             <a:r>
-              <a:rPr lang="en-US" sz="1800" dirty="0"/>
+              <a:rPr lang="en-US" sz="3323" dirty="0"/>
               <a:t>over a 24-race calendar.</a:t>
             </a:r>
           </a:p>
           <a:p>
-            <a:pPr marL="228600" indent="-228600" algn="just">
-              <a:spcBef>
-                <a:spcPts val="600"/>
+            <a:pPr marL="422041" indent="-422041" algn="just">
+              <a:spcBef>
+                <a:spcPts val="1108"/>
               </a:spcBef>
               <a:buFont typeface="Arial" panose="020B0604020202020204" pitchFamily="34" charset="0"/>
               <a:buChar char="•"/>
             </a:pPr>
             <a:r>
-              <a:rPr lang="en-US" sz="1800" dirty="0"/>
+              <a:rPr lang="en-US" sz="3323" dirty="0"/>
               <a:t>Teams cannot sustain many repeated races and need to </a:t>
             </a:r>
             <a:r>
-              <a:rPr lang="en-US" sz="1800" b="1" dirty="0"/>
+              <a:rPr lang="en-US" sz="3323" b="1" dirty="0"/>
               <a:t>return home often</a:t>
             </a:r>
             <a:r>
-              <a:rPr lang="en-US" sz="1800" dirty="0"/>
+              <a:rPr lang="en-US" sz="3323" dirty="0"/>
               <a:t>, with a </a:t>
             </a:r>
             <a:r>
-              <a:rPr lang="en-US" sz="1800" b="1" dirty="0"/>
+              <a:rPr lang="en-US" sz="3323" b="1" dirty="0"/>
               <a:t>maximum number of consecutive races</a:t>
             </a:r>
             <a:r>
-              <a:rPr lang="en-US" sz="1800" dirty="0"/>
+              <a:rPr lang="en-US" sz="3323" dirty="0"/>
               <a:t> allowed.</a:t>
             </a:r>
           </a:p>
           <a:p>
-            <a:pPr marL="228600" indent="-228600" algn="just">
-              <a:spcBef>
-                <a:spcPts val="600"/>
+            <a:pPr marL="422041" indent="-422041" algn="just">
+              <a:spcBef>
+                <a:spcPts val="1108"/>
               </a:spcBef>
               <a:buFont typeface="Arial" panose="020B0604020202020204" pitchFamily="34" charset="0"/>
               <a:buChar char="•"/>
             </a:pPr>
             <a:r>
-              <a:rPr lang="en-US" sz="1800" dirty="0"/>
+              <a:rPr lang="en-US" sz="3323" dirty="0"/>
               <a:t>Many races close to each other </a:t>
             </a:r>
             <a:r>
-              <a:rPr lang="en-US" sz="1800" b="1" dirty="0"/>
+              <a:rPr lang="en-US" sz="3323" b="1" dirty="0"/>
               <a:t>decreases overall attendance</a:t>
             </a:r>
             <a:r>
-              <a:rPr lang="en-US" sz="1800" dirty="0"/>
+              <a:rPr lang="en-US" sz="3323" dirty="0"/>
               <a:t> because of saturation in that area</a:t>
             </a:r>
             <a:br>
-              <a:rPr lang="en-US" sz="1800" dirty="0"/>
+              <a:rPr lang="en-US" sz="3323" dirty="0"/>
             </a:br>
-            <a:endParaRPr lang="en-US" sz="1800" dirty="0"/>
-          </a:p>
-          <a:p>
-            <a:pPr marL="347663" indent="-347663" algn="just">
-              <a:spcBef>
-                <a:spcPts val="600"/>
+            <a:endParaRPr lang="en-US" sz="3323" dirty="0"/>
+          </a:p>
+          <a:p>
+            <a:pPr marL="641855" indent="-641855" algn="just">
+              <a:spcBef>
+                <a:spcPts val="1108"/>
               </a:spcBef>
             </a:pPr>
             <a:r>
-              <a:rPr lang="en-US" sz="1800" b="1" dirty="0"/>
+              <a:rPr lang="en-US" sz="3323" b="1" dirty="0"/>
               <a:t>How to optimize the 2023 race schedule for minimal emissions and maximal attendance?</a:t>
             </a:r>
           </a:p>
@@ -5215,8 +5420,8 @@
         </p:nvSpPr>
         <p:spPr>
           <a:xfrm>
-            <a:off x="319766" y="5579104"/>
-            <a:ext cx="274320" cy="274320"/>
+            <a:off x="572080" y="10299884"/>
+            <a:ext cx="506437" cy="506437"/>
           </a:xfrm>
           <a:prstGeom prst="rightArrow">
             <a:avLst/>
@@ -5243,7 +5448,7 @@
           <a:lstStyle/>
           <a:p>
             <a:pPr algn="ctr"/>
-            <a:endParaRPr lang="en-US"/>
+            <a:endParaRPr lang="en-US" sz="11393"/>
           </a:p>
         </p:txBody>
       </p:sp>
@@ -5265,8 +5470,8 @@
             </p:nvSpPr>
             <p:spPr>
               <a:xfrm>
-                <a:off x="11771481" y="2700191"/>
-                <a:ext cx="5427133" cy="3750248"/>
+                <a:off x="22117547" y="4984968"/>
+                <a:ext cx="10496063" cy="6923535"/>
               </a:xfrm>
               <a:prstGeom prst="rect">
                 <a:avLst/>
@@ -5276,7 +5481,7 @@
               </a:solidFill>
             </p:spPr>
             <p:txBody>
-              <a:bodyPr lIns="182880" tIns="91440" rIns="182880"/>
+              <a:bodyPr lIns="337625" tIns="168812" rIns="337625"/>
               <a:lstStyle>
                 <a:lvl1pPr marL="554705" indent="-554705" algn="l" rtl="0" eaLnBrk="1" latinLnBrk="0" hangingPunct="1">
                   <a:spcBef>
@@ -5467,12 +5672,12 @@
               <a:p>
                 <a:pPr marL="0" indent="0">
                   <a:spcBef>
-                    <a:spcPts val="600"/>
+                    <a:spcPts val="1108"/>
                   </a:spcBef>
                   <a:buNone/>
                 </a:pPr>
                 <a:r>
-                  <a:rPr lang="en-US" sz="1800" dirty="0"/>
+                  <a:rPr lang="en-US" sz="3323" dirty="0"/>
                   <a:t>Emissions as a function of distance </a:t>
                 </a:r>
                 <a14:m>
@@ -5480,14 +5685,14 @@
                     <m:sSub>
                       <m:sSubPr>
                         <m:ctrlPr>
-                          <a:rPr lang="en-US" sz="1800" i="1">
+                          <a:rPr lang="en-US" sz="3323" i="1">
                             <a:latin typeface="Cambria Math" panose="02040503050406030204" pitchFamily="18" charset="0"/>
                           </a:rPr>
                         </m:ctrlPr>
                       </m:sSubPr>
                       <m:e>
                         <m:r>
-                          <a:rPr lang="en-US" sz="1800" i="1">
+                          <a:rPr lang="en-US" sz="3323" i="1">
                             <a:latin typeface="Cambria Math" panose="02040503050406030204" pitchFamily="18" charset="0"/>
                           </a:rPr>
                           <m:t>𝐷</m:t>
@@ -5495,19 +5700,19 @@
                       </m:e>
                       <m:sub>
                         <m:r>
-                          <a:rPr lang="en-US" sz="1800" i="1">
+                          <a:rPr lang="en-US" sz="3323" i="1">
                             <a:latin typeface="Cambria Math" panose="02040503050406030204" pitchFamily="18" charset="0"/>
                           </a:rPr>
                           <m:t>𝑖</m:t>
                         </m:r>
                         <m:r>
-                          <a:rPr lang="en-US" sz="1800" i="1">
+                          <a:rPr lang="en-US" sz="3323" i="1">
                             <a:latin typeface="Cambria Math" panose="02040503050406030204" pitchFamily="18" charset="0"/>
                           </a:rPr>
                           <m:t>,</m:t>
                         </m:r>
                         <m:r>
-                          <a:rPr lang="en-US" sz="1800" i="1">
+                          <a:rPr lang="en-US" sz="3323" i="1">
                             <a:latin typeface="Cambria Math" panose="02040503050406030204" pitchFamily="18" charset="0"/>
                           </a:rPr>
                           <m:t>𝑗</m:t>
@@ -5517,30 +5722,30 @@
                   </m:oMath>
                 </a14:m>
                 <a:r>
-                  <a:rPr lang="en-US" sz="1800" dirty="0"/>
+                  <a:rPr lang="en-US" sz="3323" dirty="0"/>
                   <a:t>:</a:t>
                 </a:r>
                 <a:br>
-                  <a:rPr lang="en-US" sz="1800" dirty="0"/>
+                  <a:rPr lang="en-US" sz="3323" dirty="0"/>
                 </a:br>
                 <a:r>
-                  <a:rPr lang="en-US" sz="500" dirty="0"/>
+                  <a:rPr lang="en-US" sz="923" dirty="0"/>
                   <a:t> </a:t>
                 </a:r>
                 <a:r>
-                  <a:rPr lang="en-US" sz="600" dirty="0"/>
+                  <a:rPr lang="en-US" sz="1108" dirty="0"/>
                   <a:t> </a:t>
                 </a:r>
                 <a:r>
-                  <a:rPr lang="en-US" sz="900" dirty="0"/>
+                  <a:rPr lang="en-US" sz="1662" dirty="0"/>
                   <a:t> </a:t>
                 </a:r>
-                <a:endParaRPr lang="en-US" sz="1600" dirty="0"/>
+                <a:endParaRPr lang="en-US" sz="2954" dirty="0"/>
               </a:p>
               <a:p>
                 <a:pPr marL="0" indent="0">
                   <a:spcBef>
-                    <a:spcPts val="600"/>
+                    <a:spcPts val="1108"/>
                   </a:spcBef>
                   <a:buNone/>
                 </a:pPr>
@@ -5553,14 +5758,14 @@
                       <m:sSub>
                         <m:sSubPr>
                           <m:ctrlPr>
-                            <a:rPr lang="en-US" sz="1600" i="1">
+                            <a:rPr lang="en-US" sz="2954" i="1">
                               <a:latin typeface="Cambria Math" panose="02040503050406030204" pitchFamily="18" charset="0"/>
                             </a:rPr>
                           </m:ctrlPr>
                         </m:sSubPr>
                         <m:e>
                           <m:r>
-                            <a:rPr lang="en-US" sz="1600" i="1">
+                            <a:rPr lang="en-US" sz="2954" i="1">
                               <a:latin typeface="Cambria Math" panose="02040503050406030204" pitchFamily="18" charset="0"/>
                             </a:rPr>
                             <m:t>𝐸</m:t>
@@ -5568,19 +5773,19 @@
                         </m:e>
                         <m:sub>
                           <m:r>
-                            <a:rPr lang="en-US" sz="1600" i="1">
+                            <a:rPr lang="en-US" sz="2954" i="1">
                               <a:latin typeface="Cambria Math" panose="02040503050406030204" pitchFamily="18" charset="0"/>
                             </a:rPr>
                             <m:t>𝑖</m:t>
                           </m:r>
                           <m:r>
-                            <a:rPr lang="en-US" sz="1600" i="1">
+                            <a:rPr lang="en-US" sz="2954" i="1">
                               <a:latin typeface="Cambria Math" panose="02040503050406030204" pitchFamily="18" charset="0"/>
                             </a:rPr>
                             <m:t>,</m:t>
                           </m:r>
                           <m:r>
-                            <a:rPr lang="en-US" sz="1600" i="1">
+                            <a:rPr lang="en-US" sz="2954" i="1">
                               <a:latin typeface="Cambria Math" panose="02040503050406030204" pitchFamily="18" charset="0"/>
                             </a:rPr>
                             <m:t>𝑗</m:t>
@@ -5588,7 +5793,7 @@
                         </m:sub>
                       </m:sSub>
                       <m:r>
-                        <a:rPr lang="en-US" sz="1600" i="1">
+                        <a:rPr lang="en-US" sz="2954" i="1">
                           <a:latin typeface="Cambria Math" panose="02040503050406030204" pitchFamily="18" charset="0"/>
                         </a:rPr>
                         <m:t>=</m:t>
@@ -5598,7 +5803,7 @@
                           <m:begChr m:val="{"/>
                           <m:endChr m:val=""/>
                           <m:ctrlPr>
-                            <a:rPr lang="en-US" sz="1600" i="1">
+                            <a:rPr lang="en-US" sz="2954" i="1">
                               <a:latin typeface="Cambria Math" panose="02040503050406030204" pitchFamily="18" charset="0"/>
                             </a:rPr>
                           </m:ctrlPr>
@@ -5607,7 +5812,7 @@
                           <m:eqArr>
                             <m:eqArrPr>
                               <m:ctrlPr>
-                                <a:rPr lang="en-US" sz="1600" i="1">
+                                <a:rPr lang="en-US" sz="2954" i="1">
                                   <a:latin typeface="Cambria Math" panose="02040503050406030204" pitchFamily="18" charset="0"/>
                                 </a:rPr>
                               </m:ctrlPr>
@@ -5616,14 +5821,14 @@
                               <m:sSub>
                                 <m:sSubPr>
                                   <m:ctrlPr>
-                                    <a:rPr lang="en-US" sz="1600" i="1">
+                                    <a:rPr lang="en-US" sz="2954" i="1">
                                       <a:latin typeface="Cambria Math" panose="02040503050406030204" pitchFamily="18" charset="0"/>
                                     </a:rPr>
                                   </m:ctrlPr>
                                 </m:sSubPr>
                                 <m:e>
                                   <m:r>
-                                    <a:rPr lang="en-US" sz="1600" i="1">
+                                    <a:rPr lang="en-US" sz="2954" i="1">
                                       <a:latin typeface="Cambria Math" panose="02040503050406030204" pitchFamily="18" charset="0"/>
                                     </a:rPr>
                                     <m:t>𝐷</m:t>
@@ -5631,19 +5836,19 @@
                                 </m:e>
                                 <m:sub>
                                   <m:r>
-                                    <a:rPr lang="en-US" sz="1600" i="1">
+                                    <a:rPr lang="en-US" sz="2954" i="1">
                                       <a:latin typeface="Cambria Math" panose="02040503050406030204" pitchFamily="18" charset="0"/>
                                     </a:rPr>
                                     <m:t>𝑖</m:t>
                                   </m:r>
                                   <m:r>
-                                    <a:rPr lang="en-US" sz="1600" i="1">
+                                    <a:rPr lang="en-US" sz="2954" i="1">
                                       <a:latin typeface="Cambria Math" panose="02040503050406030204" pitchFamily="18" charset="0"/>
                                     </a:rPr>
                                     <m:t>,</m:t>
                                   </m:r>
                                   <m:r>
-                                    <a:rPr lang="en-US" sz="1600" i="1">
+                                    <a:rPr lang="en-US" sz="2954" i="1">
                                       <a:latin typeface="Cambria Math" panose="02040503050406030204" pitchFamily="18" charset="0"/>
                                     </a:rPr>
                                     <m:t>𝑗</m:t>
@@ -5651,19 +5856,19 @@
                                 </m:sub>
                               </m:sSub>
                               <m:r>
-                                <a:rPr lang="en-US" sz="1600" i="1">
+                                <a:rPr lang="en-US" sz="2954" i="1">
                                   <a:latin typeface="Cambria Math" panose="02040503050406030204" pitchFamily="18" charset="0"/>
                                 </a:rPr>
                                 <m:t>∗62         </m:t>
                               </m:r>
                               <m:r>
-                                <a:rPr lang="en-US" sz="1600" i="1">
+                                <a:rPr lang="en-US" sz="2954" i="1">
                                   <a:latin typeface="Cambria Math" panose="02040503050406030204" pitchFamily="18" charset="0"/>
                                 </a:rPr>
                                 <m:t>𝑖𝑓</m:t>
                               </m:r>
                               <m:r>
-                                <a:rPr lang="en-US" sz="1600" i="1">
+                                <a:rPr lang="en-US" sz="2954" i="1">
                                   <a:latin typeface="Cambria Math" panose="02040503050406030204" pitchFamily="18" charset="0"/>
                                 </a:rPr>
                                 <m:t> </m:t>
@@ -5671,14 +5876,14 @@
                               <m:sSub>
                                 <m:sSubPr>
                                   <m:ctrlPr>
-                                    <a:rPr lang="en-US" sz="1600" i="1">
+                                    <a:rPr lang="en-US" sz="2954" i="1">
                                       <a:latin typeface="Cambria Math" panose="02040503050406030204" pitchFamily="18" charset="0"/>
                                     </a:rPr>
                                   </m:ctrlPr>
                                 </m:sSubPr>
                                 <m:e>
                                   <m:r>
-                                    <a:rPr lang="en-US" sz="1600" i="1">
+                                    <a:rPr lang="en-US" sz="2954" i="1">
                                       <a:latin typeface="Cambria Math" panose="02040503050406030204" pitchFamily="18" charset="0"/>
                                     </a:rPr>
                                     <m:t>𝐷</m:t>
@@ -5686,19 +5891,19 @@
                                 </m:e>
                                 <m:sub>
                                   <m:r>
-                                    <a:rPr lang="en-US" sz="1600" i="1">
+                                    <a:rPr lang="en-US" sz="2954" i="1">
                                       <a:latin typeface="Cambria Math" panose="02040503050406030204" pitchFamily="18" charset="0"/>
                                     </a:rPr>
                                     <m:t>𝑖</m:t>
                                   </m:r>
                                   <m:r>
-                                    <a:rPr lang="en-US" sz="1600" i="1">
+                                    <a:rPr lang="en-US" sz="2954" i="1">
                                       <a:latin typeface="Cambria Math" panose="02040503050406030204" pitchFamily="18" charset="0"/>
                                     </a:rPr>
                                     <m:t>,</m:t>
                                   </m:r>
                                   <m:r>
-                                    <a:rPr lang="en-US" sz="1600" i="1">
+                                    <a:rPr lang="en-US" sz="2954" i="1">
                                       <a:latin typeface="Cambria Math" panose="02040503050406030204" pitchFamily="18" charset="0"/>
                                     </a:rPr>
                                     <m:t>𝑗</m:t>
@@ -5706,14 +5911,14 @@
                                 </m:sub>
                               </m:sSub>
                               <m:r>
-                                <a:rPr lang="en-US" sz="1600" i="1">
+                                <a:rPr lang="en-US" sz="2954" i="1">
                                   <a:latin typeface="Cambria Math" panose="02040503050406030204" pitchFamily="18" charset="0"/>
                                   <a:ea typeface="Cambria Math" panose="02040503050406030204" pitchFamily="18" charset="0"/>
                                 </a:rPr>
                                 <m:t>≤5000 </m:t>
                               </m:r>
                               <m:r>
-                                <a:rPr lang="en-US" sz="1600" i="1">
+                                <a:rPr lang="en-US" sz="2954" i="1">
                                   <a:latin typeface="Cambria Math" panose="02040503050406030204" pitchFamily="18" charset="0"/>
                                   <a:ea typeface="Cambria Math" panose="02040503050406030204" pitchFamily="18" charset="0"/>
                                 </a:rPr>
@@ -5724,14 +5929,14 @@
                               <m:sSub>
                                 <m:sSubPr>
                                   <m:ctrlPr>
-                                    <a:rPr lang="en-US" sz="1600" i="1">
+                                    <a:rPr lang="en-US" sz="2954" i="1">
                                       <a:latin typeface="Cambria Math" panose="02040503050406030204" pitchFamily="18" charset="0"/>
                                     </a:rPr>
                                   </m:ctrlPr>
                                 </m:sSubPr>
                                 <m:e>
                                   <m:r>
-                                    <a:rPr lang="en-US" sz="1600" i="1">
+                                    <a:rPr lang="en-US" sz="2954" i="1">
                                       <a:latin typeface="Cambria Math" panose="02040503050406030204" pitchFamily="18" charset="0"/>
                                     </a:rPr>
                                     <m:t>𝐷</m:t>
@@ -5739,19 +5944,19 @@
                                 </m:e>
                                 <m:sub>
                                   <m:r>
-                                    <a:rPr lang="en-US" sz="1600" i="1">
+                                    <a:rPr lang="en-US" sz="2954" i="1">
                                       <a:latin typeface="Cambria Math" panose="02040503050406030204" pitchFamily="18" charset="0"/>
                                     </a:rPr>
                                     <m:t>𝑖</m:t>
                                   </m:r>
                                   <m:r>
-                                    <a:rPr lang="en-US" sz="1600" i="1">
+                                    <a:rPr lang="en-US" sz="2954" i="1">
                                       <a:latin typeface="Cambria Math" panose="02040503050406030204" pitchFamily="18" charset="0"/>
                                     </a:rPr>
                                     <m:t>,</m:t>
                                   </m:r>
                                   <m:r>
-                                    <a:rPr lang="en-US" sz="1600" i="1">
+                                    <a:rPr lang="en-US" sz="2954" i="1">
                                       <a:latin typeface="Cambria Math" panose="02040503050406030204" pitchFamily="18" charset="0"/>
                                     </a:rPr>
                                     <m:t>𝑗</m:t>
@@ -5759,19 +5964,19 @@
                                 </m:sub>
                               </m:sSub>
                               <m:r>
-                                <a:rPr lang="en-US" sz="1600" i="1">
+                                <a:rPr lang="en-US" sz="2954" i="1">
                                   <a:latin typeface="Cambria Math" panose="02040503050406030204" pitchFamily="18" charset="0"/>
                                 </a:rPr>
                                 <m:t>∗500       </m:t>
                               </m:r>
                               <m:r>
-                                <a:rPr lang="en-US" sz="1600" i="1">
+                                <a:rPr lang="en-US" sz="2954" i="1">
                                   <a:latin typeface="Cambria Math" panose="02040503050406030204" pitchFamily="18" charset="0"/>
                                 </a:rPr>
                                 <m:t>𝑖𝑓</m:t>
                               </m:r>
                               <m:r>
-                                <a:rPr lang="en-US" sz="1600" i="1">
+                                <a:rPr lang="en-US" sz="2954" i="1">
                                   <a:latin typeface="Cambria Math" panose="02040503050406030204" pitchFamily="18" charset="0"/>
                                 </a:rPr>
                                 <m:t> </m:t>
@@ -5779,14 +5984,14 @@
                               <m:sSub>
                                 <m:sSubPr>
                                   <m:ctrlPr>
-                                    <a:rPr lang="en-US" sz="1600" i="1">
+                                    <a:rPr lang="en-US" sz="2954" i="1">
                                       <a:latin typeface="Cambria Math" panose="02040503050406030204" pitchFamily="18" charset="0"/>
                                     </a:rPr>
                                   </m:ctrlPr>
                                 </m:sSubPr>
                                 <m:e>
                                   <m:r>
-                                    <a:rPr lang="en-US" sz="1600" i="1">
+                                    <a:rPr lang="en-US" sz="2954" i="1">
                                       <a:latin typeface="Cambria Math" panose="02040503050406030204" pitchFamily="18" charset="0"/>
                                     </a:rPr>
                                     <m:t>𝐷</m:t>
@@ -5794,19 +5999,19 @@
                                 </m:e>
                                 <m:sub>
                                   <m:r>
-                                    <a:rPr lang="en-US" sz="1600" i="1">
+                                    <a:rPr lang="en-US" sz="2954" i="1">
                                       <a:latin typeface="Cambria Math" panose="02040503050406030204" pitchFamily="18" charset="0"/>
                                     </a:rPr>
                                     <m:t>𝑖</m:t>
                                   </m:r>
                                   <m:r>
-                                    <a:rPr lang="en-US" sz="1600" i="1">
+                                    <a:rPr lang="en-US" sz="2954" i="1">
                                       <a:latin typeface="Cambria Math" panose="02040503050406030204" pitchFamily="18" charset="0"/>
                                     </a:rPr>
                                     <m:t>,</m:t>
                                   </m:r>
                                   <m:r>
-                                    <a:rPr lang="en-US" sz="1600" i="1">
+                                    <a:rPr lang="en-US" sz="2954" i="1">
                                       <a:latin typeface="Cambria Math" panose="02040503050406030204" pitchFamily="18" charset="0"/>
                                     </a:rPr>
                                     <m:t>𝑗</m:t>
@@ -5814,20 +6019,20 @@
                                 </m:sub>
                               </m:sSub>
                               <m:r>
-                                <a:rPr lang="en-US" sz="1600" i="1">
+                                <a:rPr lang="en-US" sz="2954" i="1">
                                   <a:latin typeface="Cambria Math" panose="02040503050406030204" pitchFamily="18" charset="0"/>
                                 </a:rPr>
                                 <m:t>&gt;</m:t>
                               </m:r>
                               <m:r>
-                                <a:rPr lang="en-US" sz="1600" i="1">
+                                <a:rPr lang="en-US" sz="2954" i="1">
                                   <a:latin typeface="Cambria Math" panose="02040503050406030204" pitchFamily="18" charset="0"/>
                                   <a:ea typeface="Cambria Math" panose="02040503050406030204" pitchFamily="18" charset="0"/>
                                 </a:rPr>
                                 <m:t>5000 </m:t>
                               </m:r>
                               <m:r>
-                                <a:rPr lang="en-US" sz="1600" i="1">
+                                <a:rPr lang="en-US" sz="2954" i="1">
                                   <a:latin typeface="Cambria Math" panose="02040503050406030204" pitchFamily="18" charset="0"/>
                                   <a:ea typeface="Cambria Math" panose="02040503050406030204" pitchFamily="18" charset="0"/>
                                 </a:rPr>
@@ -5836,13 +6041,13 @@
                             </m:e>
                           </m:eqArr>
                           <m:r>
-                            <a:rPr lang="en-US" sz="1600" i="1">
+                            <a:rPr lang="en-US" sz="2954" i="1">
                               <a:latin typeface="Cambria Math" panose="02040503050406030204" pitchFamily="18" charset="0"/>
                             </a:rPr>
                             <m:t>    (</m:t>
                           </m:r>
                           <m:r>
-                            <a:rPr lang="en-US" sz="1600" i="1">
+                            <a:rPr lang="en-US" sz="2954" i="1">
                               <a:latin typeface="Cambria Math" panose="02040503050406030204" pitchFamily="18" charset="0"/>
                             </a:rPr>
                             <m:t>𝑔𝑟𝑎𝑚𝑠</m:t>
@@ -5850,14 +6055,14 @@
                           <m:f>
                             <m:fPr>
                               <m:ctrlPr>
-                                <a:rPr lang="en-US" sz="1600" i="1">
+                                <a:rPr lang="en-US" sz="2954" i="1">
                                   <a:latin typeface="Cambria Math" panose="02040503050406030204" pitchFamily="18" charset="0"/>
                                 </a:rPr>
                               </m:ctrlPr>
                             </m:fPr>
                             <m:num>
                               <m:r>
-                                <a:rPr lang="en-US" sz="1600" i="1">
+                                <a:rPr lang="en-US" sz="2954" i="1">
                                   <a:latin typeface="Cambria Math" panose="02040503050406030204" pitchFamily="18" charset="0"/>
                                 </a:rPr>
                                 <m:t>𝐶</m:t>
@@ -5865,14 +6070,14 @@
                               <m:sSub>
                                 <m:sSubPr>
                                   <m:ctrlPr>
-                                    <a:rPr lang="en-US" sz="1600" i="1">
+                                    <a:rPr lang="en-US" sz="2954" i="1">
                                       <a:latin typeface="Cambria Math" panose="02040503050406030204" pitchFamily="18" charset="0"/>
                                     </a:rPr>
                                   </m:ctrlPr>
                                 </m:sSubPr>
                                 <m:e>
                                   <m:r>
-                                    <a:rPr lang="en-US" sz="1600" i="1">
+                                    <a:rPr lang="en-US" sz="2954" i="1">
                                       <a:latin typeface="Cambria Math" panose="02040503050406030204" pitchFamily="18" charset="0"/>
                                     </a:rPr>
                                     <m:t>𝑂</m:t>
@@ -5880,7 +6085,7 @@
                                 </m:e>
                                 <m:sub>
                                   <m:r>
-                                    <a:rPr lang="en-US" sz="1600" i="1">
+                                    <a:rPr lang="en-US" sz="2954" i="1">
                                       <a:latin typeface="Cambria Math" panose="02040503050406030204" pitchFamily="18" charset="0"/>
                                     </a:rPr>
                                     <m:t>2</m:t>
@@ -5890,7 +6095,7 @@
                             </m:num>
                             <m:den>
                               <m:r>
-                                <a:rPr lang="en-US" sz="1600" i="1">
+                                <a:rPr lang="en-US" sz="2954" i="1">
                                   <a:latin typeface="Cambria Math" panose="02040503050406030204" pitchFamily="18" charset="0"/>
                                 </a:rPr>
                                 <m:t>𝑡𝑜𝑛</m:t>
@@ -5898,7 +6103,7 @@
                             </m:den>
                           </m:f>
                           <m:r>
-                            <a:rPr lang="en-US" sz="1600" i="1">
+                            <a:rPr lang="en-US" sz="2954" i="1">
                               <a:latin typeface="Cambria Math" panose="02040503050406030204" pitchFamily="18" charset="0"/>
                             </a:rPr>
                             <m:t>)</m:t>
@@ -5908,37 +6113,37 @@
                     </m:oMath>
                   </m:oMathPara>
                 </a14:m>
-                <a:endParaRPr lang="en-US" sz="1800" dirty="0"/>
+                <a:endParaRPr lang="en-US" sz="3323" dirty="0"/>
               </a:p>
               <a:p>
                 <a:pPr marL="0" indent="0">
                   <a:spcBef>
-                    <a:spcPts val="600"/>
+                    <a:spcPts val="1108"/>
                   </a:spcBef>
                   <a:buNone/>
                 </a:pPr>
                 <a:r>
-                  <a:rPr lang="en-US" sz="1800" dirty="0"/>
+                  <a:rPr lang="en-US" sz="3323" dirty="0"/>
                   <a:t>(i.e., do we go by truck or by plane?)</a:t>
                 </a:r>
                 <a:br>
-                  <a:rPr lang="en-US" sz="1800" dirty="0"/>
+                  <a:rPr lang="en-US" sz="3323" dirty="0"/>
                 </a:br>
                 <a:r>
-                  <a:rPr lang="en-US" sz="900" dirty="0"/>
+                  <a:rPr lang="en-US" sz="1662" dirty="0"/>
                   <a:t> </a:t>
                 </a:r>
-                <a:endParaRPr lang="en-US" sz="1800" dirty="0"/>
+                <a:endParaRPr lang="en-US" sz="3323" dirty="0"/>
               </a:p>
               <a:p>
                 <a:pPr marL="0" indent="0">
                   <a:spcBef>
-                    <a:spcPts val="600"/>
+                    <a:spcPts val="1108"/>
                   </a:spcBef>
                   <a:buNone/>
                 </a:pPr>
                 <a:r>
-                  <a:rPr lang="en-US" sz="1800" dirty="0"/>
+                  <a:rPr lang="en-US" sz="3323" dirty="0"/>
                   <a:t>Attendance loss as a function of distance </a:t>
                 </a:r>
                 <a14:m>
@@ -5946,14 +6151,14 @@
                     <m:sSub>
                       <m:sSubPr>
                         <m:ctrlPr>
-                          <a:rPr lang="en-US" sz="1800" i="1">
+                          <a:rPr lang="en-US" sz="3323" i="1">
                             <a:latin typeface="Cambria Math" panose="02040503050406030204" pitchFamily="18" charset="0"/>
                           </a:rPr>
                         </m:ctrlPr>
                       </m:sSubPr>
                       <m:e>
                         <m:r>
-                          <a:rPr lang="en-US" sz="1800" i="1">
+                          <a:rPr lang="en-US" sz="3323" i="1">
                             <a:latin typeface="Cambria Math" panose="02040503050406030204" pitchFamily="18" charset="0"/>
                           </a:rPr>
                           <m:t>𝐷</m:t>
@@ -5961,19 +6166,19 @@
                       </m:e>
                       <m:sub>
                         <m:r>
-                          <a:rPr lang="en-US" sz="1800" i="1">
+                          <a:rPr lang="en-US" sz="3323" i="1">
                             <a:latin typeface="Cambria Math" panose="02040503050406030204" pitchFamily="18" charset="0"/>
                           </a:rPr>
                           <m:t>𝑖</m:t>
                         </m:r>
                         <m:r>
-                          <a:rPr lang="en-US" sz="1800" i="1">
+                          <a:rPr lang="en-US" sz="3323" i="1">
                             <a:latin typeface="Cambria Math" panose="02040503050406030204" pitchFamily="18" charset="0"/>
                           </a:rPr>
                           <m:t>,</m:t>
                         </m:r>
                         <m:r>
-                          <a:rPr lang="en-US" sz="1800" i="1">
+                          <a:rPr lang="en-US" sz="3323" i="1">
                             <a:latin typeface="Cambria Math" panose="02040503050406030204" pitchFamily="18" charset="0"/>
                           </a:rPr>
                           <m:t>𝑗</m:t>
@@ -5983,22 +6188,22 @@
                   </m:oMath>
                 </a14:m>
                 <a:r>
-                  <a:rPr lang="en-US" sz="1800" dirty="0"/>
+                  <a:rPr lang="en-US" sz="3323" dirty="0"/>
                   <a:t>:</a:t>
                 </a:r>
                 <a:br>
-                  <a:rPr lang="en-US" sz="1800" dirty="0"/>
+                  <a:rPr lang="en-US" sz="3323" dirty="0"/>
                 </a:br>
                 <a:r>
-                  <a:rPr lang="en-US" sz="900" dirty="0"/>
+                  <a:rPr lang="en-US" sz="1662" dirty="0"/>
                   <a:t>  </a:t>
                 </a:r>
-                <a:endParaRPr lang="en-US" sz="1050" dirty="0"/>
+                <a:endParaRPr lang="en-US" sz="1939" dirty="0"/>
               </a:p>
               <a:p>
                 <a:pPr marL="0" indent="0">
                   <a:spcBef>
-                    <a:spcPts val="600"/>
+                    <a:spcPts val="1108"/>
                   </a:spcBef>
                   <a:buNone/>
                 </a:pPr>
@@ -6011,14 +6216,14 @@
                       <m:sSub>
                         <m:sSubPr>
                           <m:ctrlPr>
-                            <a:rPr lang="en-US" sz="1600" i="1">
+                            <a:rPr lang="en-US" sz="2954" i="1">
                               <a:latin typeface="Cambria Math" panose="02040503050406030204" pitchFamily="18" charset="0"/>
                             </a:rPr>
                           </m:ctrlPr>
                         </m:sSubPr>
                         <m:e>
                           <m:r>
-                            <a:rPr lang="en-US" sz="1600" i="1">
+                            <a:rPr lang="en-US" sz="2954" i="1">
                               <a:latin typeface="Cambria Math" panose="02040503050406030204" pitchFamily="18" charset="0"/>
                             </a:rPr>
                             <m:t>𝐴</m:t>
@@ -6026,19 +6231,19 @@
                         </m:e>
                         <m:sub>
                           <m:r>
-                            <a:rPr lang="en-US" sz="1600" i="1">
+                            <a:rPr lang="en-US" sz="2954" i="1">
                               <a:latin typeface="Cambria Math" panose="02040503050406030204" pitchFamily="18" charset="0"/>
                             </a:rPr>
                             <m:t>𝑖</m:t>
                           </m:r>
                           <m:r>
-                            <a:rPr lang="en-US" sz="1600" i="1">
+                            <a:rPr lang="en-US" sz="2954" i="1">
                               <a:latin typeface="Cambria Math" panose="02040503050406030204" pitchFamily="18" charset="0"/>
                             </a:rPr>
                             <m:t>,</m:t>
                           </m:r>
                           <m:r>
-                            <a:rPr lang="en-US" sz="1600" i="1">
+                            <a:rPr lang="en-US" sz="2954" i="1">
                               <a:latin typeface="Cambria Math" panose="02040503050406030204" pitchFamily="18" charset="0"/>
                             </a:rPr>
                             <m:t>𝑗</m:t>
@@ -6046,7 +6251,7 @@
                         </m:sub>
                       </m:sSub>
                       <m:r>
-                        <a:rPr lang="en-US" sz="1600" i="1">
+                        <a:rPr lang="en-US" sz="2954" i="1">
                           <a:latin typeface="Cambria Math" panose="02040503050406030204" pitchFamily="18" charset="0"/>
                         </a:rPr>
                         <m:t>=</m:t>
@@ -6056,7 +6261,7 @@
                           <m:begChr m:val="{"/>
                           <m:endChr m:val=""/>
                           <m:ctrlPr>
-                            <a:rPr lang="en-US" sz="1600" i="1">
+                            <a:rPr lang="en-US" sz="2954" i="1">
                               <a:latin typeface="Cambria Math" panose="02040503050406030204" pitchFamily="18" charset="0"/>
                             </a:rPr>
                           </m:ctrlPr>
@@ -6065,38 +6270,38 @@
                           <m:eqArr>
                             <m:eqArrPr>
                               <m:ctrlPr>
-                                <a:rPr lang="en-US" sz="1600" i="1">
+                                <a:rPr lang="en-US" sz="2954" i="1">
                                   <a:latin typeface="Cambria Math" panose="02040503050406030204" pitchFamily="18" charset="0"/>
                                 </a:rPr>
                               </m:ctrlPr>
                             </m:eqArrPr>
                             <m:e>
                               <m:r>
-                                <a:rPr lang="en-US" sz="1600" i="1">
+                                <a:rPr lang="en-US" sz="2954" i="1">
                                   <a:latin typeface="Cambria Math" panose="02040503050406030204" pitchFamily="18" charset="0"/>
                                 </a:rPr>
                                 <m:t>1</m:t>
                               </m:r>
                               <m:r>
-                                <a:rPr lang="en-US" sz="1600" b="0" i="1" smtClean="0">
+                                <a:rPr lang="en-US" sz="2954" i="1">
                                   <a:latin typeface="Cambria Math" panose="02040503050406030204" pitchFamily="18" charset="0"/>
                                 </a:rPr>
                                 <m:t>5</m:t>
                               </m:r>
                               <m:r>
-                                <a:rPr lang="en-US" sz="1600" i="1">
+                                <a:rPr lang="en-US" sz="2954" i="1">
                                   <a:latin typeface="Cambria Math" panose="02040503050406030204" pitchFamily="18" charset="0"/>
                                 </a:rPr>
                                 <m:t>0 000      </m:t>
                               </m:r>
                               <m:r>
-                                <a:rPr lang="en-US" sz="1600" i="1">
+                                <a:rPr lang="en-US" sz="2954" i="1">
                                   <a:latin typeface="Cambria Math" panose="02040503050406030204" pitchFamily="18" charset="0"/>
                                 </a:rPr>
                                 <m:t>𝑖𝑓</m:t>
                               </m:r>
                               <m:r>
-                                <a:rPr lang="en-US" sz="1600" i="1">
+                                <a:rPr lang="en-US" sz="2954" i="1">
                                   <a:latin typeface="Cambria Math" panose="02040503050406030204" pitchFamily="18" charset="0"/>
                                 </a:rPr>
                                 <m:t> </m:t>
@@ -6104,14 +6309,14 @@
                               <m:sSub>
                                 <m:sSubPr>
                                   <m:ctrlPr>
-                                    <a:rPr lang="en-US" sz="1600" i="1">
+                                    <a:rPr lang="en-US" sz="2954" i="1">
                                       <a:latin typeface="Cambria Math" panose="02040503050406030204" pitchFamily="18" charset="0"/>
                                     </a:rPr>
                                   </m:ctrlPr>
                                 </m:sSubPr>
                                 <m:e>
                                   <m:r>
-                                    <a:rPr lang="en-US" sz="1600" i="1">
+                                    <a:rPr lang="en-US" sz="2954" i="1">
                                       <a:latin typeface="Cambria Math" panose="02040503050406030204" pitchFamily="18" charset="0"/>
                                     </a:rPr>
                                     <m:t>𝐷</m:t>
@@ -6119,19 +6324,19 @@
                                 </m:e>
                                 <m:sub>
                                   <m:r>
-                                    <a:rPr lang="en-US" sz="1600" i="1">
+                                    <a:rPr lang="en-US" sz="2954" i="1">
                                       <a:latin typeface="Cambria Math" panose="02040503050406030204" pitchFamily="18" charset="0"/>
                                     </a:rPr>
                                     <m:t>𝑖</m:t>
                                   </m:r>
                                   <m:r>
-                                    <a:rPr lang="en-US" sz="1600" i="1">
+                                    <a:rPr lang="en-US" sz="2954" i="1">
                                       <a:latin typeface="Cambria Math" panose="02040503050406030204" pitchFamily="18" charset="0"/>
                                     </a:rPr>
                                     <m:t>,</m:t>
                                   </m:r>
                                   <m:r>
-                                    <a:rPr lang="en-US" sz="1600" i="1">
+                                    <a:rPr lang="en-US" sz="2954" i="1">
                                       <a:latin typeface="Cambria Math" panose="02040503050406030204" pitchFamily="18" charset="0"/>
                                     </a:rPr>
                                     <m:t>𝑗</m:t>
@@ -6139,35 +6344,35 @@
                                 </m:sub>
                               </m:sSub>
                               <m:r>
-                                <a:rPr lang="en-US" sz="1600" i="1">
+                                <a:rPr lang="en-US" sz="2954" i="1">
                                   <a:latin typeface="Cambria Math" panose="02040503050406030204" pitchFamily="18" charset="0"/>
                                   <a:ea typeface="Cambria Math" panose="02040503050406030204" pitchFamily="18" charset="0"/>
                                 </a:rPr>
                                 <m:t>≤</m:t>
                               </m:r>
                               <m:r>
-                                <a:rPr lang="en-US" sz="1600" b="0" i="1" smtClean="0">
+                                <a:rPr lang="en-US" sz="2954" i="1">
                                   <a:latin typeface="Cambria Math" panose="02040503050406030204" pitchFamily="18" charset="0"/>
                                   <a:ea typeface="Cambria Math" panose="02040503050406030204" pitchFamily="18" charset="0"/>
                                 </a:rPr>
                                 <m:t>250</m:t>
                               </m:r>
                               <m:r>
-                                <a:rPr lang="en-US" sz="1600" i="1">
+                                <a:rPr lang="en-US" sz="2954" i="1">
                                   <a:latin typeface="Cambria Math" panose="02040503050406030204" pitchFamily="18" charset="0"/>
                                   <a:ea typeface="Cambria Math" panose="02040503050406030204" pitchFamily="18" charset="0"/>
                                 </a:rPr>
                                 <m:t> </m:t>
                               </m:r>
                               <m:r>
-                                <a:rPr lang="en-US" sz="1600" i="1">
+                                <a:rPr lang="en-US" sz="2954" i="1">
                                   <a:latin typeface="Cambria Math" panose="02040503050406030204" pitchFamily="18" charset="0"/>
                                   <a:ea typeface="Cambria Math" panose="02040503050406030204" pitchFamily="18" charset="0"/>
                                 </a:rPr>
                                 <m:t>𝑘𝑚</m:t>
                               </m:r>
                               <m:r>
-                                <a:rPr lang="en-US" sz="1600" b="0" i="1" smtClean="0">
+                                <a:rPr lang="en-US" sz="2954" i="1">
                                   <a:latin typeface="Cambria Math" panose="02040503050406030204" pitchFamily="18" charset="0"/>
                                   <a:ea typeface="Cambria Math" panose="02040503050406030204" pitchFamily="18" charset="0"/>
                                 </a:rPr>
@@ -6176,43 +6381,43 @@
                             </m:e>
                             <m:e>
                               <m:r>
-                                <a:rPr lang="en-US" sz="1600" i="1">
+                                <a:rPr lang="en-US" sz="2954" i="1">
                                   <a:latin typeface="Cambria Math" panose="02040503050406030204" pitchFamily="18" charset="0"/>
                                 </a:rPr>
                                 <m:t>1</m:t>
                               </m:r>
                               <m:r>
-                                <a:rPr lang="en-US" sz="1600" b="0" i="1" smtClean="0">
+                                <a:rPr lang="en-US" sz="2954" i="1">
                                   <a:latin typeface="Cambria Math" panose="02040503050406030204" pitchFamily="18" charset="0"/>
                                 </a:rPr>
                                 <m:t>25</m:t>
                               </m:r>
                               <m:r>
-                                <a:rPr lang="en-US" sz="1600" i="1">
+                                <a:rPr lang="en-US" sz="2954" i="1">
                                   <a:latin typeface="Cambria Math" panose="02040503050406030204" pitchFamily="18" charset="0"/>
                                 </a:rPr>
                                 <m:t> 000 </m:t>
                               </m:r>
                               <m:r>
-                                <a:rPr lang="en-US" sz="1600" b="0" i="1" smtClean="0">
+                                <a:rPr lang="en-US" sz="2954" i="1">
                                   <a:latin typeface="Cambria Math" panose="02040503050406030204" pitchFamily="18" charset="0"/>
                                 </a:rPr>
                                 <m:t>   </m:t>
                               </m:r>
                               <m:r>
-                                <a:rPr lang="en-US" sz="1600" i="1">
+                                <a:rPr lang="en-US" sz="2954" i="1">
                                   <a:latin typeface="Cambria Math" panose="02040503050406030204" pitchFamily="18" charset="0"/>
                                 </a:rPr>
                                 <m:t>  </m:t>
                               </m:r>
                               <m:r>
-                                <a:rPr lang="en-US" sz="1600" i="1">
+                                <a:rPr lang="en-US" sz="2954" i="1">
                                   <a:latin typeface="Cambria Math" panose="02040503050406030204" pitchFamily="18" charset="0"/>
                                 </a:rPr>
                                 <m:t>𝑖𝑓</m:t>
                               </m:r>
                               <m:r>
-                                <a:rPr lang="en-US" sz="1600" i="1">
+                                <a:rPr lang="en-US" sz="2954" i="1">
                                   <a:latin typeface="Cambria Math" panose="02040503050406030204" pitchFamily="18" charset="0"/>
                                 </a:rPr>
                                 <m:t> </m:t>
@@ -6220,14 +6425,14 @@
                               <m:sSub>
                                 <m:sSubPr>
                                   <m:ctrlPr>
-                                    <a:rPr lang="en-US" sz="1600" i="1">
+                                    <a:rPr lang="en-US" sz="2954" i="1">
                                       <a:latin typeface="Cambria Math" panose="02040503050406030204" pitchFamily="18" charset="0"/>
                                     </a:rPr>
                                   </m:ctrlPr>
                                 </m:sSubPr>
                                 <m:e>
                                   <m:r>
-                                    <a:rPr lang="en-US" sz="1600" i="1">
+                                    <a:rPr lang="en-US" sz="2954" i="1">
                                       <a:latin typeface="Cambria Math" panose="02040503050406030204" pitchFamily="18" charset="0"/>
                                     </a:rPr>
                                     <m:t>𝐷</m:t>
@@ -6235,19 +6440,19 @@
                                 </m:e>
                                 <m:sub>
                                   <m:r>
-                                    <a:rPr lang="en-US" sz="1600" i="1">
+                                    <a:rPr lang="en-US" sz="2954" i="1">
                                       <a:latin typeface="Cambria Math" panose="02040503050406030204" pitchFamily="18" charset="0"/>
                                     </a:rPr>
                                     <m:t>𝑖</m:t>
                                   </m:r>
                                   <m:r>
-                                    <a:rPr lang="en-US" sz="1600" i="1">
+                                    <a:rPr lang="en-US" sz="2954" i="1">
                                       <a:latin typeface="Cambria Math" panose="02040503050406030204" pitchFamily="18" charset="0"/>
                                     </a:rPr>
                                     <m:t>,</m:t>
                                   </m:r>
                                   <m:r>
-                                    <a:rPr lang="en-US" sz="1600" i="1">
+                                    <a:rPr lang="en-US" sz="2954" i="1">
                                       <a:latin typeface="Cambria Math" panose="02040503050406030204" pitchFamily="18" charset="0"/>
                                     </a:rPr>
                                     <m:t>𝑗</m:t>
@@ -6255,35 +6460,35 @@
                                 </m:sub>
                               </m:sSub>
                               <m:r>
-                                <a:rPr lang="en-US" sz="1600" i="1">
+                                <a:rPr lang="en-US" sz="2954" i="1">
                                   <a:latin typeface="Cambria Math" panose="02040503050406030204" pitchFamily="18" charset="0"/>
                                   <a:ea typeface="Cambria Math" panose="02040503050406030204" pitchFamily="18" charset="0"/>
                                 </a:rPr>
                                 <m:t>≤</m:t>
                               </m:r>
                               <m:r>
-                                <a:rPr lang="en-US" sz="1600" b="0" i="1" smtClean="0">
+                                <a:rPr lang="en-US" sz="2954" i="1">
                                   <a:latin typeface="Cambria Math" panose="02040503050406030204" pitchFamily="18" charset="0"/>
                                   <a:ea typeface="Cambria Math" panose="02040503050406030204" pitchFamily="18" charset="0"/>
                                 </a:rPr>
                                 <m:t>500</m:t>
                               </m:r>
                               <m:r>
-                                <a:rPr lang="en-US" sz="1600" i="1">
+                                <a:rPr lang="en-US" sz="2954" i="1">
                                   <a:latin typeface="Cambria Math" panose="02040503050406030204" pitchFamily="18" charset="0"/>
                                   <a:ea typeface="Cambria Math" panose="02040503050406030204" pitchFamily="18" charset="0"/>
                                 </a:rPr>
                                 <m:t> </m:t>
                               </m:r>
                               <m:r>
-                                <a:rPr lang="en-US" sz="1600" i="1">
+                                <a:rPr lang="en-US" sz="2954" i="1">
                                   <a:latin typeface="Cambria Math" panose="02040503050406030204" pitchFamily="18" charset="0"/>
                                   <a:ea typeface="Cambria Math" panose="02040503050406030204" pitchFamily="18" charset="0"/>
                                 </a:rPr>
                                 <m:t>𝑘𝑚</m:t>
                               </m:r>
                               <m:r>
-                                <a:rPr lang="en-US" sz="1600" b="0" i="1" smtClean="0">
+                                <a:rPr lang="en-US" sz="2954" i="1">
                                   <a:latin typeface="Cambria Math" panose="02040503050406030204" pitchFamily="18" charset="0"/>
                                   <a:ea typeface="Cambria Math" panose="02040503050406030204" pitchFamily="18" charset="0"/>
                                 </a:rPr>
@@ -6292,19 +6497,19 @@
                             </m:e>
                             <m:e>
                               <m:r>
-                                <a:rPr lang="en-US" sz="1600" i="1">
+                                <a:rPr lang="en-US" sz="2954" i="1">
                                   <a:latin typeface="Cambria Math" panose="02040503050406030204" pitchFamily="18" charset="0"/>
                                 </a:rPr>
                                 <m:t>100 000      </m:t>
                               </m:r>
                               <m:r>
-                                <a:rPr lang="en-US" sz="1600" i="1">
+                                <a:rPr lang="en-US" sz="2954" i="1">
                                   <a:latin typeface="Cambria Math" panose="02040503050406030204" pitchFamily="18" charset="0"/>
                                 </a:rPr>
                                 <m:t>𝑖𝑓</m:t>
                               </m:r>
                               <m:r>
-                                <a:rPr lang="en-US" sz="1600" i="1">
+                                <a:rPr lang="en-US" sz="2954" i="1">
                                   <a:latin typeface="Cambria Math" panose="02040503050406030204" pitchFamily="18" charset="0"/>
                                 </a:rPr>
                                 <m:t> </m:t>
@@ -6312,14 +6517,14 @@
                               <m:sSub>
                                 <m:sSubPr>
                                   <m:ctrlPr>
-                                    <a:rPr lang="en-US" sz="1600" i="1">
+                                    <a:rPr lang="en-US" sz="2954" i="1">
                                       <a:latin typeface="Cambria Math" panose="02040503050406030204" pitchFamily="18" charset="0"/>
                                     </a:rPr>
                                   </m:ctrlPr>
                                 </m:sSubPr>
                                 <m:e>
                                   <m:r>
-                                    <a:rPr lang="en-US" sz="1600" i="1">
+                                    <a:rPr lang="en-US" sz="2954" i="1">
                                       <a:latin typeface="Cambria Math" panose="02040503050406030204" pitchFamily="18" charset="0"/>
                                     </a:rPr>
                                     <m:t>𝐷</m:t>
@@ -6327,19 +6532,19 @@
                                 </m:e>
                                 <m:sub>
                                   <m:r>
-                                    <a:rPr lang="en-US" sz="1600" i="1">
+                                    <a:rPr lang="en-US" sz="2954" i="1">
                                       <a:latin typeface="Cambria Math" panose="02040503050406030204" pitchFamily="18" charset="0"/>
                                     </a:rPr>
                                     <m:t>𝑖</m:t>
                                   </m:r>
                                   <m:r>
-                                    <a:rPr lang="en-US" sz="1600" i="1">
+                                    <a:rPr lang="en-US" sz="2954" i="1">
                                       <a:latin typeface="Cambria Math" panose="02040503050406030204" pitchFamily="18" charset="0"/>
                                     </a:rPr>
                                     <m:t>,</m:t>
                                   </m:r>
                                   <m:r>
-                                    <a:rPr lang="en-US" sz="1600" i="1">
+                                    <a:rPr lang="en-US" sz="2954" i="1">
                                       <a:latin typeface="Cambria Math" panose="02040503050406030204" pitchFamily="18" charset="0"/>
                                     </a:rPr>
                                     <m:t>𝑗</m:t>
@@ -6347,14 +6552,14 @@
                                 </m:sub>
                               </m:sSub>
                               <m:r>
-                                <a:rPr lang="en-US" sz="1600" i="1">
+                                <a:rPr lang="en-US" sz="2954" i="1">
                                   <a:latin typeface="Cambria Math" panose="02040503050406030204" pitchFamily="18" charset="0"/>
                                   <a:ea typeface="Cambria Math" panose="02040503050406030204" pitchFamily="18" charset="0"/>
                                 </a:rPr>
                                 <m:t>≤1000 </m:t>
                               </m:r>
                               <m:r>
-                                <a:rPr lang="en-US" sz="1600" i="1">
+                                <a:rPr lang="en-US" sz="2954" i="1">
                                   <a:latin typeface="Cambria Math" panose="02040503050406030204" pitchFamily="18" charset="0"/>
                                   <a:ea typeface="Cambria Math" panose="02040503050406030204" pitchFamily="18" charset="0"/>
                                 </a:rPr>
@@ -6363,21 +6568,21 @@
                             </m:e>
                             <m:e>
                               <m:r>
-                                <a:rPr lang="en-US" sz="1600" i="1">
+                                <a:rPr lang="en-US" sz="2954" i="1">
                                   <a:latin typeface="Cambria Math" panose="02040503050406030204" pitchFamily="18" charset="0"/>
                                   <a:ea typeface="Cambria Math" panose="02040503050406030204" pitchFamily="18" charset="0"/>
                                 </a:rPr>
                                 <m:t>50 000        </m:t>
                               </m:r>
                               <m:r>
-                                <a:rPr lang="en-US" sz="1600" i="1">
+                                <a:rPr lang="en-US" sz="2954" i="1">
                                   <a:latin typeface="Cambria Math" panose="02040503050406030204" pitchFamily="18" charset="0"/>
                                   <a:ea typeface="Cambria Math" panose="02040503050406030204" pitchFamily="18" charset="0"/>
                                 </a:rPr>
                                 <m:t>𝑖𝑓</m:t>
                               </m:r>
                               <m:r>
-                                <a:rPr lang="en-US" sz="1600" i="1">
+                                <a:rPr lang="en-US" sz="2954" i="1">
                                   <a:latin typeface="Cambria Math" panose="02040503050406030204" pitchFamily="18" charset="0"/>
                                   <a:ea typeface="Cambria Math" panose="02040503050406030204" pitchFamily="18" charset="0"/>
                                 </a:rPr>
@@ -6386,14 +6591,14 @@
                               <m:sSub>
                                 <m:sSubPr>
                                   <m:ctrlPr>
-                                    <a:rPr lang="en-US" sz="1600" i="1">
+                                    <a:rPr lang="en-US" sz="2954" i="1">
                                       <a:latin typeface="Cambria Math" panose="02040503050406030204" pitchFamily="18" charset="0"/>
                                     </a:rPr>
                                   </m:ctrlPr>
                                 </m:sSubPr>
                                 <m:e>
                                   <m:r>
-                                    <a:rPr lang="en-US" sz="1600" i="1">
+                                    <a:rPr lang="en-US" sz="2954" i="1">
                                       <a:latin typeface="Cambria Math" panose="02040503050406030204" pitchFamily="18" charset="0"/>
                                     </a:rPr>
                                     <m:t>𝐷</m:t>
@@ -6401,19 +6606,19 @@
                                 </m:e>
                                 <m:sub>
                                   <m:r>
-                                    <a:rPr lang="en-US" sz="1600" i="1">
+                                    <a:rPr lang="en-US" sz="2954" i="1">
                                       <a:latin typeface="Cambria Math" panose="02040503050406030204" pitchFamily="18" charset="0"/>
                                     </a:rPr>
                                     <m:t>𝑖</m:t>
                                   </m:r>
                                   <m:r>
-                                    <a:rPr lang="en-US" sz="1600" i="1">
+                                    <a:rPr lang="en-US" sz="2954" i="1">
                                       <a:latin typeface="Cambria Math" panose="02040503050406030204" pitchFamily="18" charset="0"/>
                                     </a:rPr>
                                     <m:t>,</m:t>
                                   </m:r>
                                   <m:r>
-                                    <a:rPr lang="en-US" sz="1600" i="1">
+                                    <a:rPr lang="en-US" sz="2954" i="1">
                                       <a:latin typeface="Cambria Math" panose="02040503050406030204" pitchFamily="18" charset="0"/>
                                     </a:rPr>
                                     <m:t>𝑗</m:t>
@@ -6421,14 +6626,14 @@
                                 </m:sub>
                               </m:sSub>
                               <m:r>
-                                <a:rPr lang="en-US" sz="1600" i="1">
+                                <a:rPr lang="en-US" sz="2954" i="1">
                                   <a:latin typeface="Cambria Math" panose="02040503050406030204" pitchFamily="18" charset="0"/>
                                   <a:ea typeface="Cambria Math" panose="02040503050406030204" pitchFamily="18" charset="0"/>
                                 </a:rPr>
                                 <m:t>≤3500 </m:t>
                               </m:r>
                               <m:r>
-                                <a:rPr lang="en-US" sz="1600" i="1">
+                                <a:rPr lang="en-US" sz="2954" i="1">
                                   <a:latin typeface="Cambria Math" panose="02040503050406030204" pitchFamily="18" charset="0"/>
                                   <a:ea typeface="Cambria Math" panose="02040503050406030204" pitchFamily="18" charset="0"/>
                                 </a:rPr>
@@ -6437,14 +6642,14 @@
                             </m:e>
                             <m:e>
                               <m:r>
-                                <a:rPr lang="en-US" sz="1600" i="1">
+                                <a:rPr lang="en-US" sz="2954" i="1">
                                   <a:latin typeface="Cambria Math" panose="02040503050406030204" pitchFamily="18" charset="0"/>
                                   <a:ea typeface="Cambria Math" panose="02040503050406030204" pitchFamily="18" charset="0"/>
                                 </a:rPr>
                                 <m:t>0                                  </m:t>
                               </m:r>
                               <m:r>
-                                <a:rPr lang="en-US" sz="1600" i="1">
+                                <a:rPr lang="en-US" sz="2954" i="1">
                                   <a:latin typeface="Cambria Math" panose="02040503050406030204" pitchFamily="18" charset="0"/>
                                   <a:ea typeface="Cambria Math" panose="02040503050406030204" pitchFamily="18" charset="0"/>
                                 </a:rPr>
@@ -6455,31 +6660,31 @@
                         </m:e>
                       </m:d>
                       <m:r>
-                        <a:rPr lang="en-US" sz="1600" i="1">
+                        <a:rPr lang="en-US" sz="2954" i="1">
                           <a:latin typeface="Cambria Math" panose="02040503050406030204" pitchFamily="18" charset="0"/>
                         </a:rPr>
                         <m:t>  (</m:t>
                       </m:r>
                       <m:r>
-                        <a:rPr lang="en-US" sz="1600" i="1">
+                        <a:rPr lang="en-US" sz="2954" i="1">
                           <a:latin typeface="Cambria Math" panose="02040503050406030204" pitchFamily="18" charset="0"/>
                         </a:rPr>
                         <m:t>𝑙𝑒𝑠𝑠</m:t>
                       </m:r>
                       <m:r>
-                        <a:rPr lang="en-US" sz="1600" i="1">
+                        <a:rPr lang="en-US" sz="2954" i="1">
                           <a:latin typeface="Cambria Math" panose="02040503050406030204" pitchFamily="18" charset="0"/>
                         </a:rPr>
                         <m:t> </m:t>
                       </m:r>
                       <m:r>
-                        <a:rPr lang="en-US" sz="1600" i="1">
+                        <a:rPr lang="en-US" sz="2954" i="1">
                           <a:latin typeface="Cambria Math" panose="02040503050406030204" pitchFamily="18" charset="0"/>
                         </a:rPr>
                         <m:t>𝑝𝑒𝑜𝑝𝑙𝑒</m:t>
                       </m:r>
                       <m:r>
-                        <a:rPr lang="en-US" sz="1600" i="1">
+                        <a:rPr lang="en-US" sz="2954" i="1">
                           <a:latin typeface="Cambria Math" panose="02040503050406030204" pitchFamily="18" charset="0"/>
                         </a:rPr>
                         <m:t>)</m:t>
@@ -6487,7 +6692,7 @@
                     </m:oMath>
                   </m:oMathPara>
                 </a14:m>
-                <a:endParaRPr lang="en-US" sz="1800" dirty="0"/>
+                <a:endParaRPr lang="en-US" sz="3323" dirty="0"/>
               </a:p>
             </p:txBody>
           </p:sp>
@@ -6509,8 +6714,8 @@
             </p:nvSpPr>
             <p:spPr>
               <a:xfrm>
-                <a:off x="11771481" y="2700191"/>
-                <a:ext cx="5427133" cy="3750248"/>
+                <a:off x="22117547" y="4984968"/>
+                <a:ext cx="10496063" cy="6923535"/>
               </a:xfrm>
               <a:prstGeom prst="rect">
                 <a:avLst/>
@@ -6553,8 +6758,8 @@
         </p:nvSpPr>
         <p:spPr>
           <a:xfrm>
-            <a:off x="174986" y="6645906"/>
-            <a:ext cx="5427130" cy="442603"/>
+            <a:off x="304794" y="12269366"/>
+            <a:ext cx="10496058" cy="817113"/>
           </a:xfrm>
           <a:prstGeom prst="rect">
             <a:avLst/>
@@ -6569,7 +6774,7 @@
           </a:ln>
         </p:spPr>
         <p:txBody>
-          <a:bodyPr lIns="91440" anchor="ctr"/>
+          <a:bodyPr lIns="168812" anchor="ctr"/>
           <a:lstStyle>
             <a:lvl1pPr marL="554705" indent="-554705" algn="l" rtl="0" eaLnBrk="1" latinLnBrk="0" hangingPunct="1">
               <a:spcBef>
@@ -6758,9 +6963,9 @@
             </a:lvl9pPr>
           </a:lstStyle>
           <a:p>
-            <a:pPr marL="0" indent="0" defTabSz="914400"/>
-            <a:r>
-              <a:rPr lang="en-US" sz="2400" dirty="0">
+            <a:pPr marL="0" indent="0" defTabSz="1688165"/>
+            <a:r>
+              <a:rPr lang="en-US" sz="4431" dirty="0">
                 <a:solidFill>
                   <a:schemeClr val="bg1"/>
                 </a:solidFill>
@@ -6786,8 +6991,8 @@
         </p:nvSpPr>
         <p:spPr>
           <a:xfrm>
-            <a:off x="5973232" y="7088508"/>
-            <a:ext cx="5427132" cy="3748396"/>
+            <a:off x="11211168" y="13086476"/>
+            <a:ext cx="10496062" cy="6920116"/>
           </a:xfrm>
           <a:prstGeom prst="rect">
             <a:avLst/>
@@ -6797,7 +7002,7 @@
           </a:solidFill>
         </p:spPr>
         <p:txBody>
-          <a:bodyPr lIns="182880" tIns="91440" rIns="182880"/>
+          <a:bodyPr lIns="337625" tIns="168812" rIns="337625"/>
           <a:lstStyle>
             <a:lvl1pPr marL="554705" indent="-554705" algn="l" rtl="0" eaLnBrk="1" latinLnBrk="0" hangingPunct="1">
               <a:spcBef>
@@ -6988,82 +7193,82 @@
           <a:p>
             <a:pPr marL="0" indent="0" algn="just">
               <a:spcBef>
-                <a:spcPts val="1800"/>
+                <a:spcPts val="3323"/>
               </a:spcBef>
               <a:buNone/>
             </a:pPr>
             <a:r>
-              <a:rPr lang="en-US" sz="1800" dirty="0"/>
+              <a:rPr lang="en-US" sz="3323" dirty="0"/>
               <a:t>Under our assumptions, the optimal trade-off VRP solution leads to the teams having </a:t>
             </a:r>
             <a:r>
-              <a:rPr lang="en-US" sz="1800" b="1" dirty="0"/>
+              <a:rPr lang="en-US" sz="3323" b="1" dirty="0"/>
               <a:t>37% less emissions </a:t>
             </a:r>
             <a:r>
-              <a:rPr lang="en-US" sz="1800" dirty="0"/>
+              <a:rPr lang="en-US" sz="3323" dirty="0"/>
               <a:t>compared to the actual schedule.</a:t>
             </a:r>
-            <a:endParaRPr lang="en-US" sz="1800" b="1" dirty="0"/>
+            <a:endParaRPr lang="en-US" sz="3323" b="1" dirty="0"/>
           </a:p>
           <a:p>
             <a:pPr marL="0" indent="0" algn="just">
               <a:spcBef>
-                <a:spcPts val="1800"/>
+                <a:spcPts val="3323"/>
               </a:spcBef>
               <a:buNone/>
             </a:pPr>
             <a:r>
-              <a:rPr lang="en-US" sz="1800" dirty="0"/>
+              <a:rPr lang="en-US" sz="3323" dirty="0"/>
               <a:t>Based on this optimal VRP, our optimal trade-off TSP solution leads to the race supporting logistics having </a:t>
             </a:r>
             <a:r>
-              <a:rPr lang="en-US" sz="1800" b="1" dirty="0"/>
+              <a:rPr lang="en-US" sz="3323" b="1" dirty="0"/>
               <a:t>69% less emissions </a:t>
             </a:r>
             <a:r>
-              <a:rPr lang="en-US" sz="1800" dirty="0"/>
+              <a:rPr lang="en-US" sz="3323" dirty="0"/>
               <a:t>than in the actual schedule.</a:t>
             </a:r>
-            <a:endParaRPr lang="en-US" sz="1800" b="1" dirty="0"/>
+            <a:endParaRPr lang="en-US" sz="3323" b="1" dirty="0"/>
           </a:p>
           <a:p>
             <a:pPr marL="0" indent="0" algn="just">
               <a:spcBef>
-                <a:spcPts val="1800"/>
+                <a:spcPts val="3323"/>
               </a:spcBef>
               <a:buNone/>
             </a:pPr>
             <a:r>
-              <a:rPr lang="en-US" sz="1800" dirty="0"/>
+              <a:rPr lang="en-US" sz="3323" dirty="0"/>
               <a:t>Overall race attendance is given by the TSP, and in our optimal solution </a:t>
             </a:r>
             <a:r>
-              <a:rPr lang="en-US" sz="1800" b="1" dirty="0"/>
+              <a:rPr lang="en-US" sz="3323" b="1" dirty="0"/>
               <a:t>attendance</a:t>
             </a:r>
             <a:r>
-              <a:rPr lang="en-US" sz="1800" dirty="0"/>
+              <a:rPr lang="en-US" sz="3323" dirty="0"/>
               <a:t> </a:t>
             </a:r>
             <a:r>
-              <a:rPr lang="en-US" sz="1800" b="1" dirty="0"/>
+              <a:rPr lang="en-US" sz="3323" b="1" dirty="0"/>
               <a:t>increases by 5.7% </a:t>
             </a:r>
             <a:r>
-              <a:rPr lang="en-US" sz="1800" dirty="0"/>
+              <a:rPr lang="en-US" sz="3323" dirty="0"/>
               <a:t>compared to the actual 2023 race schedule.</a:t>
             </a:r>
           </a:p>
           <a:p>
-            <a:pPr marL="228600" indent="-228600" algn="just" defTabSz="914400">
-              <a:spcBef>
-                <a:spcPts val="600"/>
+            <a:pPr marL="422041" indent="-422041" algn="just" defTabSz="1688165">
+              <a:spcBef>
+                <a:spcPts val="1108"/>
               </a:spcBef>
               <a:buFont typeface="Arial" panose="020B0604020202020204" pitchFamily="34" charset="0"/>
               <a:buChar char="•"/>
             </a:pPr>
-            <a:endParaRPr lang="en-US" sz="1800" dirty="0"/>
+            <a:endParaRPr lang="en-US" sz="3323" dirty="0"/>
           </a:p>
         </p:txBody>
       </p:sp>
@@ -7083,8 +7288,8 @@
         </p:nvSpPr>
         <p:spPr>
           <a:xfrm>
-            <a:off x="5973232" y="6645906"/>
-            <a:ext cx="5427133" cy="442603"/>
+            <a:off x="11211168" y="12269366"/>
+            <a:ext cx="10496063" cy="817113"/>
           </a:xfrm>
           <a:prstGeom prst="rect">
             <a:avLst/>
@@ -7099,7 +7304,7 @@
           </a:ln>
         </p:spPr>
         <p:txBody>
-          <a:bodyPr lIns="91440" anchor="ctr"/>
+          <a:bodyPr lIns="168812" anchor="ctr"/>
           <a:lstStyle>
             <a:lvl1pPr marL="554705" indent="-554705" algn="l" rtl="0" eaLnBrk="1" latinLnBrk="0" hangingPunct="1">
               <a:spcBef>
@@ -7288,9 +7493,9 @@
             </a:lvl9pPr>
           </a:lstStyle>
           <a:p>
-            <a:pPr marL="0" indent="0" defTabSz="914400"/>
-            <a:r>
-              <a:rPr lang="en-US" sz="2400" dirty="0">
+            <a:pPr marL="0" indent="0" defTabSz="1688165"/>
+            <a:r>
+              <a:rPr lang="en-US" sz="4431" dirty="0">
                 <a:solidFill>
                   <a:schemeClr val="bg1"/>
                 </a:solidFill>
@@ -7316,8 +7521,8 @@
         </p:nvSpPr>
         <p:spPr>
           <a:xfrm>
-            <a:off x="11771481" y="6646224"/>
-            <a:ext cx="5427133" cy="442603"/>
+            <a:off x="22117547" y="12269953"/>
+            <a:ext cx="10496063" cy="817113"/>
           </a:xfrm>
           <a:prstGeom prst="rect">
             <a:avLst/>
@@ -7332,7 +7537,7 @@
           </a:ln>
         </p:spPr>
         <p:txBody>
-          <a:bodyPr lIns="91440" anchor="ctr"/>
+          <a:bodyPr lIns="168812" anchor="ctr"/>
           <a:lstStyle>
             <a:lvl1pPr marL="554705" indent="-554705" algn="l" rtl="0" eaLnBrk="1" latinLnBrk="0" hangingPunct="1">
               <a:spcBef>
@@ -7521,9 +7726,9 @@
             </a:lvl9pPr>
           </a:lstStyle>
           <a:p>
-            <a:pPr marL="0" indent="0" defTabSz="914400"/>
-            <a:r>
-              <a:rPr lang="en-US" sz="2400" dirty="0">
+            <a:pPr marL="0" indent="0" defTabSz="1688165"/>
+            <a:r>
+              <a:rPr lang="en-US" sz="4431" dirty="0">
                 <a:solidFill>
                   <a:schemeClr val="bg1"/>
                 </a:solidFill>
@@ -7549,8 +7754,8 @@
         </p:nvSpPr>
         <p:spPr>
           <a:xfrm>
-            <a:off x="174985" y="7088508"/>
-            <a:ext cx="5427131" cy="3750248"/>
+            <a:off x="304793" y="13086476"/>
+            <a:ext cx="10496060" cy="6923535"/>
           </a:xfrm>
           <a:prstGeom prst="rect">
             <a:avLst/>
@@ -7560,7 +7765,7 @@
           </a:solidFill>
         </p:spPr>
         <p:txBody>
-          <a:bodyPr lIns="137160" tIns="91440" rIns="137160"/>
+          <a:bodyPr lIns="253218" tIns="168812" rIns="253218"/>
           <a:lstStyle>
             <a:lvl1pPr marL="554705" indent="-554705" algn="l" rtl="0" eaLnBrk="1" latinLnBrk="0" hangingPunct="1">
               <a:spcBef>
@@ -7751,11 +7956,11 @@
           <a:p>
             <a:pPr marL="0" indent="0" algn="just">
               <a:spcBef>
-                <a:spcPts val="600"/>
+                <a:spcPts val="1108"/>
               </a:spcBef>
               <a:buNone/>
             </a:pPr>
-            <a:endParaRPr lang="en-US" sz="1800" b="1" dirty="0"/>
+            <a:endParaRPr lang="en-US" sz="3323" b="1" dirty="0"/>
           </a:p>
         </p:txBody>
       </p:sp>
@@ -7775,8 +7980,8 @@
         </p:nvSpPr>
         <p:spPr>
           <a:xfrm>
-            <a:off x="11771481" y="7088828"/>
-            <a:ext cx="5427133" cy="3750248"/>
+            <a:off x="22117547" y="13087067"/>
+            <a:ext cx="10496063" cy="6923535"/>
           </a:xfrm>
           <a:prstGeom prst="rect">
             <a:avLst/>
@@ -7786,7 +7991,7 @@
           </a:solidFill>
         </p:spPr>
         <p:txBody>
-          <a:bodyPr lIns="182880" tIns="91440" rIns="182880"/>
+          <a:bodyPr lIns="337625" tIns="168812" rIns="337625"/>
           <a:lstStyle>
             <a:lvl1pPr marL="554705" indent="-554705" algn="l" rtl="0" eaLnBrk="1" latinLnBrk="0" hangingPunct="1">
               <a:spcBef>
@@ -7975,101 +8180,101 @@
             </a:lvl9pPr>
           </a:lstStyle>
           <a:p>
-            <a:pPr marL="0" indent="-228600">
-              <a:spcBef>
-                <a:spcPts val="600"/>
+            <a:pPr marL="0" indent="-422041">
+              <a:spcBef>
+                <a:spcPts val="1108"/>
               </a:spcBef>
               <a:buNone/>
             </a:pPr>
             <a:r>
-              <a:rPr lang="en-US" sz="1800" b="1" dirty="0"/>
+              <a:rPr lang="en-US" sz="3323" b="1" dirty="0"/>
               <a:t>1)</a:t>
             </a:r>
             <a:r>
-              <a:rPr lang="en-US" sz="1800" dirty="0"/>
+              <a:rPr lang="en-US" sz="3323" dirty="0"/>
               <a:t> </a:t>
             </a:r>
             <a:r>
-              <a:rPr lang="en-US" sz="1800" b="1" dirty="0"/>
+              <a:rPr lang="en-US" sz="3323" b="1" dirty="0"/>
               <a:t>Improve efficiency</a:t>
             </a:r>
             <a:br>
-              <a:rPr lang="en-US" sz="1800" b="1" dirty="0"/>
+              <a:rPr lang="en-US" sz="3323" b="1" dirty="0"/>
             </a:br>
             <a:r>
-              <a:rPr lang="en-US" sz="1800" dirty="0"/>
+              <a:rPr lang="en-US" sz="3323" dirty="0"/>
               <a:t>VRP model consists of 17M+ constraints and 14K+ variables, not tractable for consumer hardware</a:t>
             </a:r>
           </a:p>
           <a:p>
-            <a:pPr marL="347663" indent="-347663">
-              <a:spcBef>
-                <a:spcPts val="600"/>
+            <a:pPr marL="641855" indent="-641855">
+              <a:spcBef>
+                <a:spcPts val="1108"/>
               </a:spcBef>
             </a:pPr>
             <a:r>
-              <a:rPr lang="en-US" sz="1800" dirty="0"/>
+              <a:rPr lang="en-US" sz="3323" dirty="0"/>
               <a:t>Explore ways to make problem </a:t>
             </a:r>
             <a:r>
-              <a:rPr lang="en-US" sz="1800" b="1" dirty="0"/>
+              <a:rPr lang="en-US" sz="3323" b="1" dirty="0"/>
               <a:t>more computationally tractable</a:t>
             </a:r>
             <a:br>
-              <a:rPr lang="en-US" sz="1800" b="1" dirty="0"/>
+              <a:rPr lang="en-US" sz="3323" b="1" dirty="0"/>
             </a:br>
             <a:r>
-              <a:rPr lang="en-US" sz="900" b="1" dirty="0"/>
+              <a:rPr lang="en-US" sz="1662" b="1" dirty="0"/>
               <a:t> </a:t>
             </a:r>
-            <a:endParaRPr lang="en-US" sz="1800" dirty="0"/>
-          </a:p>
-          <a:p>
-            <a:pPr marL="0" indent="-228600">
-              <a:spcBef>
-                <a:spcPts val="600"/>
+            <a:endParaRPr lang="en-US" sz="3323" dirty="0"/>
+          </a:p>
+          <a:p>
+            <a:pPr marL="0" indent="-422041">
+              <a:spcBef>
+                <a:spcPts val="1108"/>
               </a:spcBef>
               <a:buNone/>
             </a:pPr>
             <a:r>
-              <a:rPr lang="en-US" sz="1800" b="1" dirty="0"/>
+              <a:rPr lang="en-US" sz="3323" b="1" dirty="0"/>
               <a:t>2) What about the weather?</a:t>
             </a:r>
             <a:br>
-              <a:rPr lang="en-US" sz="1800" b="1" dirty="0"/>
+              <a:rPr lang="en-US" sz="3323" b="1" dirty="0"/>
             </a:br>
             <a:r>
-              <a:rPr lang="en-US" sz="1800" dirty="0"/>
+              <a:rPr lang="en-US" sz="3323" dirty="0"/>
               <a:t>A Formula 1 race can only be held if the weather is clear or if there is a limited amount of rain</a:t>
             </a:r>
           </a:p>
           <a:p>
-            <a:pPr marL="347663" indent="-347663">
-              <a:spcBef>
-                <a:spcPts val="600"/>
+            <a:pPr marL="641855" indent="-641855">
+              <a:spcBef>
+                <a:spcPts val="1108"/>
               </a:spcBef>
             </a:pPr>
             <a:r>
-              <a:rPr lang="en-US" sz="1800" dirty="0"/>
+              <a:rPr lang="en-US" sz="3323" dirty="0"/>
               <a:t>Add time dimension and weather data to the TSP to </a:t>
             </a:r>
             <a:r>
-              <a:rPr lang="en-US" sz="1800" b="1" dirty="0"/>
+              <a:rPr lang="en-US" sz="3323" b="1" dirty="0"/>
               <a:t>minimize chances of races being cancelled</a:t>
             </a:r>
             <a:r>
-              <a:rPr lang="en-US" sz="1800" dirty="0"/>
+              <a:rPr lang="en-US" sz="3323" dirty="0"/>
               <a:t> due to bad weather</a:t>
             </a:r>
           </a:p>
           <a:p>
-            <a:pPr marL="228600" indent="-228600">
-              <a:spcBef>
-                <a:spcPts val="600"/>
+            <a:pPr marL="422041" indent="-422041">
+              <a:spcBef>
+                <a:spcPts val="1108"/>
               </a:spcBef>
               <a:buNone/>
             </a:pPr>
-            <a:endParaRPr lang="en-US" sz="1800" dirty="0"/>
+            <a:endParaRPr lang="en-US" sz="3323" dirty="0"/>
           </a:p>
         </p:txBody>
       </p:sp>
@@ -8087,8 +8292,8 @@
         </p:nvSpPr>
         <p:spPr>
           <a:xfrm>
-            <a:off x="11885782" y="8077838"/>
-            <a:ext cx="274320" cy="274320"/>
+            <a:off x="22448939" y="14935200"/>
+            <a:ext cx="506437" cy="506437"/>
           </a:xfrm>
           <a:prstGeom prst="rightArrow">
             <a:avLst/>
@@ -8115,7 +8320,7 @@
           <a:lstStyle/>
           <a:p>
             <a:pPr algn="ctr"/>
-            <a:endParaRPr lang="en-US"/>
+            <a:endParaRPr lang="en-US" sz="11393"/>
           </a:p>
         </p:txBody>
       </p:sp>
@@ -8133,8 +8338,8 @@
         </p:nvSpPr>
         <p:spPr>
           <a:xfrm>
-            <a:off x="11885782" y="9748991"/>
-            <a:ext cx="274320" cy="274320"/>
+            <a:off x="22448939" y="18033928"/>
+            <a:ext cx="506437" cy="506437"/>
           </a:xfrm>
           <a:prstGeom prst="rightArrow">
             <a:avLst/>
@@ -8161,7 +8366,7 @@
           <a:lstStyle/>
           <a:p>
             <a:pPr algn="ctr"/>
-            <a:endParaRPr lang="en-US"/>
+            <a:endParaRPr lang="en-US" sz="11393"/>
           </a:p>
         </p:txBody>
       </p:sp>
@@ -8196,8 +8401,8 @@
         </p:blipFill>
         <p:spPr>
           <a:xfrm>
-            <a:off x="229261" y="8981949"/>
-            <a:ext cx="2688150" cy="1857268"/>
+            <a:off x="434173" y="16582060"/>
+            <a:ext cx="4962738" cy="3428802"/>
           </a:xfrm>
           <a:prstGeom prst="rect">
             <a:avLst/>
@@ -8235,8 +8440,8 @@
         </p:blipFill>
         <p:spPr>
           <a:xfrm>
-            <a:off x="229261" y="7112001"/>
-            <a:ext cx="2688149" cy="1857266"/>
+            <a:off x="434174" y="13129848"/>
+            <a:ext cx="4962737" cy="3428799"/>
           </a:xfrm>
           <a:prstGeom prst="rect">
             <a:avLst/>
@@ -8265,8 +8470,8 @@
         </p:blipFill>
         <p:spPr>
           <a:xfrm>
-            <a:off x="2934907" y="7094335"/>
-            <a:ext cx="2633341" cy="1845380"/>
+            <a:off x="5832628" y="13085625"/>
+            <a:ext cx="4861553" cy="3406855"/>
           </a:xfrm>
           <a:prstGeom prst="rect">
             <a:avLst/>
@@ -8295,8 +8500,8 @@
         </p:blipFill>
         <p:spPr>
           <a:xfrm>
-            <a:off x="2917948" y="8982848"/>
-            <a:ext cx="2650301" cy="1845380"/>
+            <a:off x="5832628" y="16583718"/>
+            <a:ext cx="4892863" cy="3406855"/>
           </a:xfrm>
           <a:prstGeom prst="rect">
             <a:avLst/>
